--- a/twitter/editable_SET_graphs.pptx
+++ b/twitter/editable_SET_graphs.pptx
@@ -9,6 +9,7 @@
     <p:sldId id="258" r:id="rId3"/>
     <p:sldId id="259" r:id="rId4"/>
     <p:sldId id="260" r:id="rId5"/>
+    <p:sldId id="262" r:id="rId6"/>
   </p:sldIdLst>
   <p:sldSz cx="12192000" cy="6858000"/>
   <p:notesSz cx="6858000" cy="9144000"/>
@@ -244,7 +245,7 @@
           <a:p>
             <a:fld id="{49EEC703-91EC-4184-82A0-C28D41779F9F}" type="datetimeFigureOut">
               <a:rPr lang="en-US" smtClean="0"/>
-              <a:t>9/28/2016</a:t>
+              <a:t>10/4/2016</a:t>
             </a:fld>
             <a:endParaRPr lang="en-US"/>
           </a:p>
@@ -412,7 +413,7 @@
           <a:p>
             <a:fld id="{49EEC703-91EC-4184-82A0-C28D41779F9F}" type="datetimeFigureOut">
               <a:rPr lang="en-US" smtClean="0"/>
-              <a:t>9/28/2016</a:t>
+              <a:t>10/4/2016</a:t>
             </a:fld>
             <a:endParaRPr lang="en-US"/>
           </a:p>
@@ -590,7 +591,7 @@
           <a:p>
             <a:fld id="{49EEC703-91EC-4184-82A0-C28D41779F9F}" type="datetimeFigureOut">
               <a:rPr lang="en-US" smtClean="0"/>
-              <a:t>9/28/2016</a:t>
+              <a:t>10/4/2016</a:t>
             </a:fld>
             <a:endParaRPr lang="en-US"/>
           </a:p>
@@ -758,7 +759,7 @@
           <a:p>
             <a:fld id="{49EEC703-91EC-4184-82A0-C28D41779F9F}" type="datetimeFigureOut">
               <a:rPr lang="en-US" smtClean="0"/>
-              <a:t>9/28/2016</a:t>
+              <a:t>10/4/2016</a:t>
             </a:fld>
             <a:endParaRPr lang="en-US"/>
           </a:p>
@@ -1003,7 +1004,7 @@
           <a:p>
             <a:fld id="{49EEC703-91EC-4184-82A0-C28D41779F9F}" type="datetimeFigureOut">
               <a:rPr lang="en-US" smtClean="0"/>
-              <a:t>9/28/2016</a:t>
+              <a:t>10/4/2016</a:t>
             </a:fld>
             <a:endParaRPr lang="en-US"/>
           </a:p>
@@ -1232,7 +1233,7 @@
           <a:p>
             <a:fld id="{49EEC703-91EC-4184-82A0-C28D41779F9F}" type="datetimeFigureOut">
               <a:rPr lang="en-US" smtClean="0"/>
-              <a:t>9/28/2016</a:t>
+              <a:t>10/4/2016</a:t>
             </a:fld>
             <a:endParaRPr lang="en-US"/>
           </a:p>
@@ -1596,7 +1597,7 @@
           <a:p>
             <a:fld id="{49EEC703-91EC-4184-82A0-C28D41779F9F}" type="datetimeFigureOut">
               <a:rPr lang="en-US" smtClean="0"/>
-              <a:t>9/28/2016</a:t>
+              <a:t>10/4/2016</a:t>
             </a:fld>
             <a:endParaRPr lang="en-US"/>
           </a:p>
@@ -1713,7 +1714,7 @@
           <a:p>
             <a:fld id="{49EEC703-91EC-4184-82A0-C28D41779F9F}" type="datetimeFigureOut">
               <a:rPr lang="en-US" smtClean="0"/>
-              <a:t>9/28/2016</a:t>
+              <a:t>10/4/2016</a:t>
             </a:fld>
             <a:endParaRPr lang="en-US"/>
           </a:p>
@@ -1808,7 +1809,7 @@
           <a:p>
             <a:fld id="{49EEC703-91EC-4184-82A0-C28D41779F9F}" type="datetimeFigureOut">
               <a:rPr lang="en-US" smtClean="0"/>
-              <a:t>9/28/2016</a:t>
+              <a:t>10/4/2016</a:t>
             </a:fld>
             <a:endParaRPr lang="en-US"/>
           </a:p>
@@ -2083,7 +2084,7 @@
           <a:p>
             <a:fld id="{49EEC703-91EC-4184-82A0-C28D41779F9F}" type="datetimeFigureOut">
               <a:rPr lang="en-US" smtClean="0"/>
-              <a:t>9/28/2016</a:t>
+              <a:t>10/4/2016</a:t>
             </a:fld>
             <a:endParaRPr lang="en-US"/>
           </a:p>
@@ -2335,7 +2336,7 @@
           <a:p>
             <a:fld id="{49EEC703-91EC-4184-82A0-C28D41779F9F}" type="datetimeFigureOut">
               <a:rPr lang="en-US" smtClean="0"/>
-              <a:t>9/28/2016</a:t>
+              <a:t>10/4/2016</a:t>
             </a:fld>
             <a:endParaRPr lang="en-US"/>
           </a:p>
@@ -2546,7 +2547,7 @@
           <a:p>
             <a:fld id="{49EEC703-91EC-4184-82A0-C28D41779F9F}" type="datetimeFigureOut">
               <a:rPr lang="en-US" smtClean="0"/>
-              <a:t>9/28/2016</a:t>
+              <a:t>10/4/2016</a:t>
             </a:fld>
             <a:endParaRPr lang="en-US"/>
           </a:p>
@@ -6958,6 +6959,965 @@
 </p:sld>
 </file>
 
+<file path=ppt/slides/slide5.xml><?xml version="1.0" encoding="utf-8"?>
+<p:sld xmlns:a="http://schemas.openxmlformats.org/drawingml/2006/main" xmlns:r="http://schemas.openxmlformats.org/officeDocument/2006/relationships" xmlns:p="http://schemas.openxmlformats.org/presentationml/2006/main">
+  <p:cSld>
+    <p:spTree>
+      <p:nvGrpSpPr>
+        <p:cNvPr id="1" name=""/>
+        <p:cNvGrpSpPr/>
+        <p:nvPr/>
+      </p:nvGrpSpPr>
+      <p:grpSpPr>
+        <a:xfrm>
+          <a:off x="0" y="0"/>
+          <a:ext cx="0" cy="0"/>
+          <a:chOff x="0" y="0"/>
+          <a:chExt cx="0" cy="0"/>
+        </a:xfrm>
+      </p:grpSpPr>
+      <p:sp>
+        <p:nvSpPr>
+          <p:cNvPr id="5" name="Rectangle 4"/>
+          <p:cNvSpPr/>
+          <p:nvPr/>
+        </p:nvSpPr>
+        <p:spPr>
+          <a:xfrm>
+            <a:off x="653141" y="285070"/>
+            <a:ext cx="9306335" cy="6449786"/>
+          </a:xfrm>
+          <a:prstGeom prst="rect">
+            <a:avLst/>
+          </a:prstGeom>
+          <a:blipFill dpi="0" rotWithShape="1">
+            <a:blip r:embed="rId2">
+              <a:extLst>
+                <a:ext uri="{28A0092B-C50C-407E-A947-70E740481C1C}">
+                  <a14:useLocalDpi xmlns:a14="http://schemas.microsoft.com/office/drawing/2010/main" val="0"/>
+                </a:ext>
+              </a:extLst>
+            </a:blip>
+            <a:srcRect/>
+            <a:stretch>
+              <a:fillRect/>
+            </a:stretch>
+          </a:blipFill>
+          <a:ln>
+            <a:noFill/>
+          </a:ln>
+        </p:spPr>
+        <p:style>
+          <a:lnRef idx="2">
+            <a:schemeClr val="accent1">
+              <a:shade val="50000"/>
+            </a:schemeClr>
+          </a:lnRef>
+          <a:fillRef idx="1">
+            <a:schemeClr val="accent1"/>
+          </a:fillRef>
+          <a:effectRef idx="0">
+            <a:schemeClr val="accent1"/>
+          </a:effectRef>
+          <a:fontRef idx="minor">
+            <a:schemeClr val="lt1"/>
+          </a:fontRef>
+        </p:style>
+        <p:txBody>
+          <a:bodyPr rtlCol="0" anchor="ctr"/>
+          <a:lstStyle/>
+          <a:p>
+            <a:pPr algn="ctr"/>
+            <a:endParaRPr lang="en-US"/>
+          </a:p>
+        </p:txBody>
+      </p:sp>
+      <p:pic>
+        <p:nvPicPr>
+          <p:cNvPr id="6" name="Picture 5"/>
+          <p:cNvPicPr>
+            <a:picLocks noChangeAspect="1"/>
+          </p:cNvPicPr>
+          <p:nvPr/>
+        </p:nvPicPr>
+        <p:blipFill>
+          <a:blip r:embed="rId3">
+            <a:extLst>
+              <a:ext uri="{28A0092B-C50C-407E-A947-70E740481C1C}">
+                <a14:useLocalDpi xmlns:a14="http://schemas.microsoft.com/office/drawing/2010/main" val="0"/>
+              </a:ext>
+            </a:extLst>
+          </a:blip>
+          <a:stretch>
+            <a:fillRect/>
+          </a:stretch>
+        </p:blipFill>
+        <p:spPr>
+          <a:xfrm>
+            <a:off x="7243365" y="2336689"/>
+            <a:ext cx="434014" cy="434014"/>
+          </a:xfrm>
+          <a:prstGeom prst="rect">
+            <a:avLst/>
+          </a:prstGeom>
+        </p:spPr>
+      </p:pic>
+      <p:sp>
+        <p:nvSpPr>
+          <p:cNvPr id="7" name="Rectangle 6"/>
+          <p:cNvSpPr/>
+          <p:nvPr/>
+        </p:nvSpPr>
+        <p:spPr>
+          <a:xfrm rot="827148">
+            <a:off x="7607376" y="2593510"/>
+            <a:ext cx="1529586" cy="338554"/>
+          </a:xfrm>
+          <a:prstGeom prst="rect">
+            <a:avLst/>
+          </a:prstGeom>
+          <a:noFill/>
+        </p:spPr>
+        <p:txBody>
+          <a:bodyPr wrap="none" lIns="91440" tIns="45720" rIns="91440" bIns="45720">
+            <a:spAutoFit/>
+          </a:bodyPr>
+          <a:lstStyle/>
+          <a:p>
+            <a:pPr algn="ctr"/>
+            <a:r>
+              <a:rPr lang="en-US" sz="1600" b="1" cap="none" spc="0" dirty="0">
+                <a:ln w="0"/>
+                <a:solidFill>
+                  <a:schemeClr val="bg1"/>
+                </a:solidFill>
+                <a:latin typeface="Comfortaa" panose="020F0603070200060003" pitchFamily="34" charset="0"/>
+              </a:rPr>
+              <a:t>solar thermal</a:t>
+            </a:r>
+          </a:p>
+        </p:txBody>
+      </p:sp>
+      <p:pic>
+        <p:nvPicPr>
+          <p:cNvPr id="13" name="Picture 12"/>
+          <p:cNvPicPr>
+            <a:picLocks noChangeAspect="1"/>
+          </p:cNvPicPr>
+          <p:nvPr/>
+        </p:nvPicPr>
+        <p:blipFill>
+          <a:blip r:embed="rId4">
+            <a:extLst>
+              <a:ext uri="{28A0092B-C50C-407E-A947-70E740481C1C}">
+                <a14:useLocalDpi xmlns:a14="http://schemas.microsoft.com/office/drawing/2010/main" val="0"/>
+              </a:ext>
+            </a:extLst>
+          </a:blip>
+          <a:stretch>
+            <a:fillRect/>
+          </a:stretch>
+        </p:blipFill>
+        <p:spPr>
+          <a:xfrm>
+            <a:off x="5149088" y="3569418"/>
+            <a:ext cx="541977" cy="541977"/>
+          </a:xfrm>
+          <a:prstGeom prst="rect">
+            <a:avLst/>
+          </a:prstGeom>
+        </p:spPr>
+      </p:pic>
+      <p:pic>
+        <p:nvPicPr>
+          <p:cNvPr id="14" name="Picture 13"/>
+          <p:cNvPicPr>
+            <a:picLocks noChangeAspect="1"/>
+          </p:cNvPicPr>
+          <p:nvPr/>
+        </p:nvPicPr>
+        <p:blipFill>
+          <a:blip r:embed="rId5">
+            <a:extLst>
+              <a:ext uri="{28A0092B-C50C-407E-A947-70E740481C1C}">
+                <a14:useLocalDpi xmlns:a14="http://schemas.microsoft.com/office/drawing/2010/main" val="0"/>
+              </a:ext>
+            </a:extLst>
+          </a:blip>
+          <a:stretch>
+            <a:fillRect/>
+          </a:stretch>
+        </p:blipFill>
+        <p:spPr>
+          <a:xfrm>
+            <a:off x="6620464" y="3123037"/>
+            <a:ext cx="730314" cy="730314"/>
+          </a:xfrm>
+          <a:prstGeom prst="rect">
+            <a:avLst/>
+          </a:prstGeom>
+        </p:spPr>
+      </p:pic>
+      <p:pic>
+        <p:nvPicPr>
+          <p:cNvPr id="15" name="Picture 14"/>
+          <p:cNvPicPr>
+            <a:picLocks noChangeAspect="1"/>
+          </p:cNvPicPr>
+          <p:nvPr/>
+        </p:nvPicPr>
+        <p:blipFill>
+          <a:blip r:embed="rId6">
+            <a:extLst>
+              <a:ext uri="{28A0092B-C50C-407E-A947-70E740481C1C}">
+                <a14:useLocalDpi xmlns:a14="http://schemas.microsoft.com/office/drawing/2010/main" val="0"/>
+              </a:ext>
+            </a:extLst>
+          </a:blip>
+          <a:stretch>
+            <a:fillRect/>
+          </a:stretch>
+        </p:blipFill>
+        <p:spPr>
+          <a:xfrm rot="21170148">
+            <a:off x="4718460" y="5541741"/>
+            <a:ext cx="571500" cy="571500"/>
+          </a:xfrm>
+          <a:prstGeom prst="rect">
+            <a:avLst/>
+          </a:prstGeom>
+        </p:spPr>
+      </p:pic>
+      <p:pic>
+        <p:nvPicPr>
+          <p:cNvPr id="16" name="Picture 15"/>
+          <p:cNvPicPr>
+            <a:picLocks noChangeAspect="1"/>
+          </p:cNvPicPr>
+          <p:nvPr/>
+        </p:nvPicPr>
+        <p:blipFill>
+          <a:blip r:embed="rId7">
+            <a:extLst>
+              <a:ext uri="{28A0092B-C50C-407E-A947-70E740481C1C}">
+                <a14:useLocalDpi xmlns:a14="http://schemas.microsoft.com/office/drawing/2010/main" val="0"/>
+              </a:ext>
+            </a:extLst>
+          </a:blip>
+          <a:stretch>
+            <a:fillRect/>
+          </a:stretch>
+        </p:blipFill>
+        <p:spPr>
+          <a:xfrm>
+            <a:off x="7631553" y="4906837"/>
+            <a:ext cx="707597" cy="707597"/>
+          </a:xfrm>
+          <a:prstGeom prst="rect">
+            <a:avLst/>
+          </a:prstGeom>
+        </p:spPr>
+      </p:pic>
+      <p:pic>
+        <p:nvPicPr>
+          <p:cNvPr id="21" name="Picture 20"/>
+          <p:cNvPicPr>
+            <a:picLocks noChangeAspect="1"/>
+          </p:cNvPicPr>
+          <p:nvPr/>
+        </p:nvPicPr>
+        <p:blipFill>
+          <a:blip r:embed="rId8">
+            <a:extLst>
+              <a:ext uri="{28A0092B-C50C-407E-A947-70E740481C1C}">
+                <a14:useLocalDpi xmlns:a14="http://schemas.microsoft.com/office/drawing/2010/main" val="0"/>
+              </a:ext>
+            </a:extLst>
+          </a:blip>
+          <a:stretch>
+            <a:fillRect/>
+          </a:stretch>
+        </p:blipFill>
+        <p:spPr>
+          <a:xfrm>
+            <a:off x="8359812" y="5494703"/>
+            <a:ext cx="264175" cy="264175"/>
+          </a:xfrm>
+          <a:prstGeom prst="rect">
+            <a:avLst/>
+          </a:prstGeom>
+        </p:spPr>
+      </p:pic>
+      <p:pic>
+        <p:nvPicPr>
+          <p:cNvPr id="22" name="Picture 21"/>
+          <p:cNvPicPr>
+            <a:picLocks noChangeAspect="1"/>
+          </p:cNvPicPr>
+          <p:nvPr/>
+        </p:nvPicPr>
+        <p:blipFill>
+          <a:blip r:embed="rId9">
+            <a:extLst>
+              <a:ext uri="{28A0092B-C50C-407E-A947-70E740481C1C}">
+                <a14:useLocalDpi xmlns:a14="http://schemas.microsoft.com/office/drawing/2010/main" val="0"/>
+              </a:ext>
+            </a:extLst>
+          </a:blip>
+          <a:stretch>
+            <a:fillRect/>
+          </a:stretch>
+        </p:blipFill>
+        <p:spPr>
+          <a:xfrm>
+            <a:off x="4410113" y="4370718"/>
+            <a:ext cx="571500" cy="571500"/>
+          </a:xfrm>
+          <a:prstGeom prst="rect">
+            <a:avLst/>
+          </a:prstGeom>
+        </p:spPr>
+      </p:pic>
+      <p:sp>
+        <p:nvSpPr>
+          <p:cNvPr id="23" name="Rectangle 22"/>
+          <p:cNvSpPr/>
+          <p:nvPr/>
+        </p:nvSpPr>
+        <p:spPr>
+          <a:xfrm rot="1017379">
+            <a:off x="7288148" y="3641256"/>
+            <a:ext cx="2044086" cy="461665"/>
+          </a:xfrm>
+          <a:prstGeom prst="rect">
+            <a:avLst/>
+          </a:prstGeom>
+          <a:noFill/>
+        </p:spPr>
+        <p:txBody>
+          <a:bodyPr wrap="none" lIns="91440" tIns="45720" rIns="91440" bIns="45720">
+            <a:prstTxWarp prst="textArchDown">
+              <a:avLst/>
+            </a:prstTxWarp>
+            <a:spAutoFit/>
+          </a:bodyPr>
+          <a:lstStyle/>
+          <a:p>
+            <a:pPr algn="ctr"/>
+            <a:r>
+              <a:rPr lang="en-US" sz="2400" b="1" dirty="0">
+                <a:ln w="0"/>
+                <a:solidFill>
+                  <a:schemeClr val="bg1"/>
+                </a:solidFill>
+                <a:latin typeface="Comfortaa" panose="020F0603070200060003" pitchFamily="34" charset="0"/>
+              </a:rPr>
+              <a:t>photovoltaic</a:t>
+            </a:r>
+            <a:endParaRPr lang="en-US" sz="2400" b="1" cap="none" spc="0" dirty="0">
+              <a:ln w="0"/>
+              <a:solidFill>
+                <a:schemeClr val="bg1"/>
+              </a:solidFill>
+              <a:latin typeface="Comfortaa" panose="020F0603070200060003" pitchFamily="34" charset="0"/>
+            </a:endParaRPr>
+          </a:p>
+        </p:txBody>
+      </p:sp>
+      <p:sp>
+        <p:nvSpPr>
+          <p:cNvPr id="24" name="Rectangle 23"/>
+          <p:cNvSpPr/>
+          <p:nvPr/>
+        </p:nvSpPr>
+        <p:spPr>
+          <a:xfrm rot="1534630">
+            <a:off x="6807989" y="4721011"/>
+            <a:ext cx="870752" cy="461665"/>
+          </a:xfrm>
+          <a:prstGeom prst="rect">
+            <a:avLst/>
+          </a:prstGeom>
+          <a:noFill/>
+        </p:spPr>
+        <p:txBody>
+          <a:bodyPr wrap="none" lIns="91440" tIns="45720" rIns="91440" bIns="45720">
+            <a:spAutoFit/>
+          </a:bodyPr>
+          <a:lstStyle/>
+          <a:p>
+            <a:pPr algn="ctr"/>
+            <a:r>
+              <a:rPr lang="en-US" sz="2400" b="1" dirty="0">
+                <a:ln w="0"/>
+                <a:solidFill>
+                  <a:schemeClr val="bg1"/>
+                </a:solidFill>
+                <a:latin typeface="Comfortaa" panose="020F0603070200060003" pitchFamily="34" charset="0"/>
+              </a:rPr>
+              <a:t>w</a:t>
+            </a:r>
+            <a:r>
+              <a:rPr lang="en-US" sz="2400" b="1" cap="none" spc="0" dirty="0">
+                <a:ln w="0"/>
+                <a:solidFill>
+                  <a:schemeClr val="bg1"/>
+                </a:solidFill>
+                <a:latin typeface="Comfortaa" panose="020F0603070200060003" pitchFamily="34" charset="0"/>
+              </a:rPr>
+              <a:t>ind</a:t>
+            </a:r>
+          </a:p>
+        </p:txBody>
+      </p:sp>
+      <p:sp>
+        <p:nvSpPr>
+          <p:cNvPr id="25" name="Rectangle 24"/>
+          <p:cNvSpPr/>
+          <p:nvPr/>
+        </p:nvSpPr>
+        <p:spPr>
+          <a:xfrm>
+            <a:off x="8534871" y="5471494"/>
+            <a:ext cx="984565" cy="261610"/>
+          </a:xfrm>
+          <a:prstGeom prst="rect">
+            <a:avLst/>
+          </a:prstGeom>
+          <a:noFill/>
+        </p:spPr>
+        <p:txBody>
+          <a:bodyPr wrap="none" lIns="91440" tIns="45720" rIns="91440" bIns="45720">
+            <a:spAutoFit/>
+          </a:bodyPr>
+          <a:lstStyle/>
+          <a:p>
+            <a:pPr algn="ctr"/>
+            <a:r>
+              <a:rPr lang="en-US" sz="1100" b="1" dirty="0">
+                <a:ln w="0"/>
+                <a:solidFill>
+                  <a:schemeClr val="bg1"/>
+                </a:solidFill>
+                <a:latin typeface="Comfortaa" panose="020F0603070200060003" pitchFamily="34" charset="0"/>
+              </a:rPr>
+              <a:t>geothermal</a:t>
+            </a:r>
+            <a:endParaRPr lang="en-US" sz="1100" b="1" cap="none" spc="0" dirty="0">
+              <a:ln w="0"/>
+              <a:solidFill>
+                <a:schemeClr val="bg1"/>
+              </a:solidFill>
+              <a:latin typeface="Comfortaa" panose="020F0603070200060003" pitchFamily="34" charset="0"/>
+            </a:endParaRPr>
+          </a:p>
+        </p:txBody>
+      </p:sp>
+      <p:sp>
+        <p:nvSpPr>
+          <p:cNvPr id="28" name="Rectangle 27"/>
+          <p:cNvSpPr/>
+          <p:nvPr/>
+        </p:nvSpPr>
+        <p:spPr>
+          <a:xfrm rot="21128410">
+            <a:off x="5257930" y="5530329"/>
+            <a:ext cx="707246" cy="400110"/>
+          </a:xfrm>
+          <a:prstGeom prst="rect">
+            <a:avLst/>
+          </a:prstGeom>
+          <a:noFill/>
+        </p:spPr>
+        <p:txBody>
+          <a:bodyPr wrap="none" lIns="91440" tIns="45720" rIns="91440" bIns="45720">
+            <a:spAutoFit/>
+          </a:bodyPr>
+          <a:lstStyle/>
+          <a:p>
+            <a:pPr algn="ctr"/>
+            <a:r>
+              <a:rPr lang="en-US" sz="2000" b="1" dirty="0">
+                <a:ln w="0"/>
+                <a:solidFill>
+                  <a:schemeClr val="bg1"/>
+                </a:solidFill>
+                <a:latin typeface="Comfortaa" panose="020F0603070200060003" pitchFamily="34" charset="0"/>
+              </a:rPr>
+              <a:t>coal</a:t>
+            </a:r>
+            <a:endParaRPr lang="en-US" sz="2000" b="1" cap="none" spc="0" dirty="0">
+              <a:ln w="0"/>
+              <a:solidFill>
+                <a:schemeClr val="bg1"/>
+              </a:solidFill>
+              <a:latin typeface="Comfortaa" panose="020F0603070200060003" pitchFamily="34" charset="0"/>
+            </a:endParaRPr>
+          </a:p>
+        </p:txBody>
+      </p:sp>
+      <p:sp>
+        <p:nvSpPr>
+          <p:cNvPr id="29" name="Rectangle 28"/>
+          <p:cNvSpPr/>
+          <p:nvPr/>
+        </p:nvSpPr>
+        <p:spPr>
+          <a:xfrm>
+            <a:off x="4839514" y="4474316"/>
+            <a:ext cx="466794" cy="400110"/>
+          </a:xfrm>
+          <a:prstGeom prst="rect">
+            <a:avLst/>
+          </a:prstGeom>
+          <a:noFill/>
+        </p:spPr>
+        <p:txBody>
+          <a:bodyPr wrap="none" lIns="91440" tIns="45720" rIns="91440" bIns="45720">
+            <a:spAutoFit/>
+          </a:bodyPr>
+          <a:lstStyle/>
+          <a:p>
+            <a:pPr algn="ctr"/>
+            <a:r>
+              <a:rPr lang="en-US" sz="2000" b="1" dirty="0">
+                <a:ln w="0"/>
+                <a:solidFill>
+                  <a:schemeClr val="bg1"/>
+                </a:solidFill>
+                <a:latin typeface="Comfortaa" panose="020F0603070200060003" pitchFamily="34" charset="0"/>
+              </a:rPr>
+              <a:t>oil</a:t>
+            </a:r>
+            <a:endParaRPr lang="en-US" sz="2000" b="1" cap="none" spc="0" dirty="0">
+              <a:ln w="0"/>
+              <a:solidFill>
+                <a:schemeClr val="bg1"/>
+              </a:solidFill>
+              <a:latin typeface="Comfortaa" panose="020F0603070200060003" pitchFamily="34" charset="0"/>
+            </a:endParaRPr>
+          </a:p>
+        </p:txBody>
+      </p:sp>
+      <p:sp>
+        <p:nvSpPr>
+          <p:cNvPr id="30" name="Rectangle 29"/>
+          <p:cNvSpPr/>
+          <p:nvPr/>
+        </p:nvSpPr>
+        <p:spPr>
+          <a:xfrm rot="19670849">
+            <a:off x="4584571" y="3816222"/>
+            <a:ext cx="638316" cy="400110"/>
+          </a:xfrm>
+          <a:prstGeom prst="rect">
+            <a:avLst/>
+          </a:prstGeom>
+          <a:noFill/>
+        </p:spPr>
+        <p:txBody>
+          <a:bodyPr wrap="none" lIns="91440" tIns="45720" rIns="91440" bIns="45720">
+            <a:spAutoFit/>
+          </a:bodyPr>
+          <a:lstStyle/>
+          <a:p>
+            <a:pPr algn="ctr"/>
+            <a:r>
+              <a:rPr lang="en-US" sz="2000" b="1" dirty="0">
+                <a:ln w="0"/>
+                <a:solidFill>
+                  <a:schemeClr val="bg1"/>
+                </a:solidFill>
+                <a:latin typeface="Comfortaa" panose="020F0603070200060003" pitchFamily="34" charset="0"/>
+              </a:rPr>
+              <a:t>gas</a:t>
+            </a:r>
+            <a:endParaRPr lang="en-US" sz="2000" b="1" cap="none" spc="0" dirty="0">
+              <a:ln w="0"/>
+              <a:solidFill>
+                <a:schemeClr val="bg1"/>
+              </a:solidFill>
+              <a:latin typeface="Comfortaa" panose="020F0603070200060003" pitchFamily="34" charset="0"/>
+            </a:endParaRPr>
+          </a:p>
+        </p:txBody>
+      </p:sp>
+      <p:sp>
+        <p:nvSpPr>
+          <p:cNvPr id="31" name="Rectangle 30"/>
+          <p:cNvSpPr/>
+          <p:nvPr/>
+        </p:nvSpPr>
+        <p:spPr>
+          <a:xfrm>
+            <a:off x="1941025" y="2786828"/>
+            <a:ext cx="2502994" cy="276999"/>
+          </a:xfrm>
+          <a:prstGeom prst="rect">
+            <a:avLst/>
+          </a:prstGeom>
+          <a:noFill/>
+        </p:spPr>
+        <p:txBody>
+          <a:bodyPr wrap="none" lIns="91440" tIns="45720" rIns="91440" bIns="45720">
+            <a:spAutoFit/>
+          </a:bodyPr>
+          <a:lstStyle/>
+          <a:p>
+            <a:pPr algn="ctr"/>
+            <a:r>
+              <a:rPr lang="en-US" sz="1200" b="1" dirty="0">
+                <a:ln w="0"/>
+                <a:solidFill>
+                  <a:srgbClr val="929292"/>
+                </a:solidFill>
+                <a:latin typeface="Comfortaa" panose="020F0603070200060003" pitchFamily="34" charset="0"/>
+              </a:rPr>
+              <a:t>energy investment into energy</a:t>
+            </a:r>
+            <a:endParaRPr lang="en-US" sz="1200" b="1" cap="none" spc="0" dirty="0">
+              <a:ln w="0"/>
+              <a:solidFill>
+                <a:srgbClr val="929292"/>
+              </a:solidFill>
+              <a:latin typeface="Comfortaa" panose="020F0603070200060003" pitchFamily="34" charset="0"/>
+            </a:endParaRPr>
+          </a:p>
+        </p:txBody>
+      </p:sp>
+      <p:sp>
+        <p:nvSpPr>
+          <p:cNvPr id="32" name="Rectangle 31"/>
+          <p:cNvSpPr/>
+          <p:nvPr/>
+        </p:nvSpPr>
+        <p:spPr>
+          <a:xfrm>
+            <a:off x="1970639" y="3535880"/>
+            <a:ext cx="1871025" cy="276999"/>
+          </a:xfrm>
+          <a:prstGeom prst="rect">
+            <a:avLst/>
+          </a:prstGeom>
+          <a:noFill/>
+        </p:spPr>
+        <p:txBody>
+          <a:bodyPr wrap="none" lIns="91440" tIns="45720" rIns="91440" bIns="45720">
+            <a:spAutoFit/>
+          </a:bodyPr>
+          <a:lstStyle/>
+          <a:p>
+            <a:pPr algn="ctr"/>
+            <a:r>
+              <a:rPr lang="en-US" sz="1200" b="1" dirty="0">
+                <a:ln w="0"/>
+                <a:solidFill>
+                  <a:srgbClr val="8E8E8E"/>
+                </a:solidFill>
+                <a:latin typeface="Comfortaa" panose="020F0603070200060003" pitchFamily="34" charset="0"/>
+              </a:rPr>
+              <a:t>net energy for society</a:t>
+            </a:r>
+            <a:endParaRPr lang="en-US" sz="1200" b="1" cap="none" spc="0" dirty="0">
+              <a:ln w="0"/>
+              <a:solidFill>
+                <a:srgbClr val="8E8E8E"/>
+              </a:solidFill>
+              <a:latin typeface="Comfortaa" panose="020F0603070200060003" pitchFamily="34" charset="0"/>
+            </a:endParaRPr>
+          </a:p>
+        </p:txBody>
+      </p:sp>
+      <p:cxnSp>
+        <p:nvCxnSpPr>
+          <p:cNvPr id="40" name="Straight Arrow Connector 39"/>
+          <p:cNvCxnSpPr/>
+          <p:nvPr/>
+        </p:nvCxnSpPr>
+        <p:spPr>
+          <a:xfrm>
+            <a:off x="2971413" y="3902617"/>
+            <a:ext cx="589112" cy="1445402"/>
+          </a:xfrm>
+          <a:prstGeom prst="straightConnector1">
+            <a:avLst/>
+          </a:prstGeom>
+          <a:ln w="19050">
+            <a:solidFill>
+              <a:srgbClr val="8E8E8E"/>
+            </a:solidFill>
+            <a:headEnd type="none" w="med" len="med"/>
+            <a:tailEnd type="triangle" w="med" len="med"/>
+          </a:ln>
+        </p:spPr>
+        <p:style>
+          <a:lnRef idx="1">
+            <a:schemeClr val="accent1"/>
+          </a:lnRef>
+          <a:fillRef idx="0">
+            <a:schemeClr val="accent1"/>
+          </a:fillRef>
+          <a:effectRef idx="0">
+            <a:schemeClr val="accent1"/>
+          </a:effectRef>
+          <a:fontRef idx="minor">
+            <a:schemeClr val="tx1"/>
+          </a:fontRef>
+        </p:style>
+      </p:cxnSp>
+      <p:cxnSp>
+        <p:nvCxnSpPr>
+          <p:cNvPr id="43" name="Straight Arrow Connector 42"/>
+          <p:cNvCxnSpPr/>
+          <p:nvPr/>
+        </p:nvCxnSpPr>
+        <p:spPr>
+          <a:xfrm>
+            <a:off x="4363153" y="3037603"/>
+            <a:ext cx="308644" cy="757265"/>
+          </a:xfrm>
+          <a:prstGeom prst="straightConnector1">
+            <a:avLst/>
+          </a:prstGeom>
+          <a:ln w="19050">
+            <a:solidFill>
+              <a:srgbClr val="8E8E8E"/>
+            </a:solidFill>
+            <a:headEnd type="none" w="med" len="med"/>
+            <a:tailEnd type="triangle" w="med" len="med"/>
+          </a:ln>
+        </p:spPr>
+        <p:style>
+          <a:lnRef idx="1">
+            <a:schemeClr val="accent1"/>
+          </a:lnRef>
+          <a:fillRef idx="0">
+            <a:schemeClr val="accent1"/>
+          </a:fillRef>
+          <a:effectRef idx="0">
+            <a:schemeClr val="accent1"/>
+          </a:effectRef>
+          <a:fontRef idx="minor">
+            <a:schemeClr val="tx1"/>
+          </a:fontRef>
+        </p:style>
+      </p:cxnSp>
+      <p:pic>
+        <p:nvPicPr>
+          <p:cNvPr id="27" name="Picture 26"/>
+          <p:cNvPicPr>
+            <a:picLocks noChangeAspect="1"/>
+          </p:cNvPicPr>
+          <p:nvPr/>
+        </p:nvPicPr>
+        <p:blipFill>
+          <a:blip r:embed="rId10">
+            <a:extLst>
+              <a:ext uri="{BEBA8EAE-BF5A-486C-A8C5-ECC9F3942E4B}">
+                <a14:imgProps xmlns:a14="http://schemas.microsoft.com/office/drawing/2010/main">
+                  <a14:imgLayer r:embed="rId11">
+                    <a14:imgEffect>
+                      <a14:brightnessContrast bright="-20000" contrast="-20000"/>
+                    </a14:imgEffect>
+                  </a14:imgLayer>
+                </a14:imgProps>
+              </a:ext>
+              <a:ext uri="{28A0092B-C50C-407E-A947-70E740481C1C}">
+                <a14:useLocalDpi xmlns:a14="http://schemas.microsoft.com/office/drawing/2010/main" val="0"/>
+              </a:ext>
+            </a:extLst>
+          </a:blip>
+          <a:stretch>
+            <a:fillRect/>
+          </a:stretch>
+        </p:blipFill>
+        <p:spPr>
+          <a:xfrm>
+            <a:off x="9064724" y="5887022"/>
+            <a:ext cx="392085" cy="392085"/>
+          </a:xfrm>
+          <a:prstGeom prst="rect">
+            <a:avLst/>
+          </a:prstGeom>
+        </p:spPr>
+      </p:pic>
+      <p:pic>
+        <p:nvPicPr>
+          <p:cNvPr id="34" name="Picture 33"/>
+          <p:cNvPicPr>
+            <a:picLocks noChangeAspect="1"/>
+          </p:cNvPicPr>
+          <p:nvPr/>
+        </p:nvPicPr>
+        <p:blipFill>
+          <a:blip r:embed="rId12">
+            <a:extLst>
+              <a:ext uri="{BEBA8EAE-BF5A-486C-A8C5-ECC9F3942E4B}">
+                <a14:imgProps xmlns:a14="http://schemas.microsoft.com/office/drawing/2010/main">
+                  <a14:imgLayer r:embed="rId13">
+                    <a14:imgEffect>
+                      <a14:brightnessContrast bright="-20000" contrast="-20000"/>
+                    </a14:imgEffect>
+                  </a14:imgLayer>
+                </a14:imgProps>
+              </a:ext>
+              <a:ext uri="{28A0092B-C50C-407E-A947-70E740481C1C}">
+                <a14:useLocalDpi xmlns:a14="http://schemas.microsoft.com/office/drawing/2010/main" val="0"/>
+              </a:ext>
+            </a:extLst>
+          </a:blip>
+          <a:stretch>
+            <a:fillRect/>
+          </a:stretch>
+        </p:blipFill>
+        <p:spPr>
+          <a:xfrm>
+            <a:off x="8615690" y="5845490"/>
+            <a:ext cx="435765" cy="435765"/>
+          </a:xfrm>
+          <a:prstGeom prst="rect">
+            <a:avLst/>
+          </a:prstGeom>
+        </p:spPr>
+      </p:pic>
+      <p:pic>
+        <p:nvPicPr>
+          <p:cNvPr id="35" name="Picture 34"/>
+          <p:cNvPicPr>
+            <a:picLocks noChangeAspect="1"/>
+          </p:cNvPicPr>
+          <p:nvPr/>
+        </p:nvPicPr>
+        <p:blipFill>
+          <a:blip r:embed="rId14">
+            <a:extLst>
+              <a:ext uri="{BEBA8EAE-BF5A-486C-A8C5-ECC9F3942E4B}">
+                <a14:imgProps xmlns:a14="http://schemas.microsoft.com/office/drawing/2010/main">
+                  <a14:imgLayer r:embed="rId15">
+                    <a14:imgEffect>
+                      <a14:brightnessContrast bright="-20000" contrast="-20000"/>
+                    </a14:imgEffect>
+                  </a14:imgLayer>
+                </a14:imgProps>
+              </a:ext>
+              <a:ext uri="{28A0092B-C50C-407E-A947-70E740481C1C}">
+                <a14:useLocalDpi xmlns:a14="http://schemas.microsoft.com/office/drawing/2010/main" val="0"/>
+              </a:ext>
+            </a:extLst>
+          </a:blip>
+          <a:stretch>
+            <a:fillRect/>
+          </a:stretch>
+        </p:blipFill>
+        <p:spPr>
+          <a:xfrm>
+            <a:off x="7497867" y="5864562"/>
+            <a:ext cx="435765" cy="435765"/>
+          </a:xfrm>
+          <a:prstGeom prst="rect">
+            <a:avLst/>
+          </a:prstGeom>
+        </p:spPr>
+      </p:pic>
+      <p:pic>
+        <p:nvPicPr>
+          <p:cNvPr id="36" name="Picture 35"/>
+          <p:cNvPicPr>
+            <a:picLocks noChangeAspect="1"/>
+          </p:cNvPicPr>
+          <p:nvPr/>
+        </p:nvPicPr>
+        <p:blipFill>
+          <a:blip r:embed="rId16">
+            <a:extLst>
+              <a:ext uri="{BEBA8EAE-BF5A-486C-A8C5-ECC9F3942E4B}">
+                <a14:imgProps xmlns:a14="http://schemas.microsoft.com/office/drawing/2010/main">
+                  <a14:imgLayer r:embed="rId17">
+                    <a14:imgEffect>
+                      <a14:brightnessContrast bright="-20000" contrast="-20000"/>
+                    </a14:imgEffect>
+                  </a14:imgLayer>
+                </a14:imgProps>
+              </a:ext>
+              <a:ext uri="{28A0092B-C50C-407E-A947-70E740481C1C}">
+                <a14:useLocalDpi xmlns:a14="http://schemas.microsoft.com/office/drawing/2010/main" val="0"/>
+              </a:ext>
+            </a:extLst>
+          </a:blip>
+          <a:stretch>
+            <a:fillRect/>
+          </a:stretch>
+        </p:blipFill>
+        <p:spPr>
+          <a:xfrm>
+            <a:off x="8033449" y="5843342"/>
+            <a:ext cx="435765" cy="435765"/>
+          </a:xfrm>
+          <a:prstGeom prst="rect">
+            <a:avLst/>
+          </a:prstGeom>
+        </p:spPr>
+      </p:pic>
+      <p:sp>
+        <p:nvSpPr>
+          <p:cNvPr id="37" name="Rectangle 36"/>
+          <p:cNvSpPr/>
+          <p:nvPr/>
+        </p:nvSpPr>
+        <p:spPr>
+          <a:xfrm>
+            <a:off x="6021645" y="5945641"/>
+            <a:ext cx="1438727" cy="338554"/>
+          </a:xfrm>
+          <a:prstGeom prst="rect">
+            <a:avLst/>
+          </a:prstGeom>
+          <a:noFill/>
+        </p:spPr>
+        <p:txBody>
+          <a:bodyPr wrap="none" lIns="91440" tIns="45720" rIns="91440" bIns="45720">
+            <a:spAutoFit/>
+          </a:bodyPr>
+          <a:lstStyle/>
+          <a:p>
+            <a:pPr algn="ctr"/>
+            <a:r>
+              <a:rPr lang="en-US" sz="1600" b="1" dirty="0">
+                <a:ln w="0"/>
+                <a:solidFill>
+                  <a:schemeClr val="bg1">
+                    <a:lumMod val="75000"/>
+                  </a:schemeClr>
+                </a:solidFill>
+                <a:latin typeface="Comfortaa" panose="020F0603070200060003" pitchFamily="34" charset="0"/>
+              </a:rPr>
+              <a:t>scale-limited</a:t>
+            </a:r>
+            <a:endParaRPr lang="en-US" sz="1600" b="1" cap="none" spc="0" dirty="0">
+              <a:ln w="0"/>
+              <a:solidFill>
+                <a:schemeClr val="bg1">
+                  <a:lumMod val="75000"/>
+                </a:schemeClr>
+              </a:solidFill>
+              <a:latin typeface="Comfortaa" panose="020F0603070200060003" pitchFamily="34" charset="0"/>
+            </a:endParaRPr>
+          </a:p>
+        </p:txBody>
+      </p:sp>
+    </p:spTree>
+    <p:extLst>
+      <p:ext uri="{BB962C8B-B14F-4D97-AF65-F5344CB8AC3E}">
+        <p14:creationId xmlns:p14="http://schemas.microsoft.com/office/powerpoint/2010/main" val="4070249192"/>
+      </p:ext>
+    </p:extLst>
+  </p:cSld>
+  <p:clrMapOvr>
+    <a:masterClrMapping/>
+  </p:clrMapOvr>
+</p:sld>
+</file>
+
 <file path=ppt/theme/theme1.xml><?xml version="1.0" encoding="utf-8"?>
 <a:theme xmlns:a="http://schemas.openxmlformats.org/drawingml/2006/main" name="Office Theme">
   <a:themeElements>

--- a/twitter/editable_SET_graphs.pptx
+++ b/twitter/editable_SET_graphs.pptx
@@ -10,6 +10,9 @@
     <p:sldId id="259" r:id="rId4"/>
     <p:sldId id="260" r:id="rId5"/>
     <p:sldId id="262" r:id="rId6"/>
+    <p:sldId id="265" r:id="rId7"/>
+    <p:sldId id="263" r:id="rId8"/>
+    <p:sldId id="264" r:id="rId9"/>
   </p:sldIdLst>
   <p:sldSz cx="12192000" cy="6858000"/>
   <p:notesSz cx="6858000" cy="9144000"/>
@@ -245,7 +248,7 @@
           <a:p>
             <a:fld id="{49EEC703-91EC-4184-82A0-C28D41779F9F}" type="datetimeFigureOut">
               <a:rPr lang="en-US" smtClean="0"/>
-              <a:t>10/4/2016</a:t>
+              <a:t>2/17/2017</a:t>
             </a:fld>
             <a:endParaRPr lang="en-US"/>
           </a:p>
@@ -413,7 +416,7 @@
           <a:p>
             <a:fld id="{49EEC703-91EC-4184-82A0-C28D41779F9F}" type="datetimeFigureOut">
               <a:rPr lang="en-US" smtClean="0"/>
-              <a:t>10/4/2016</a:t>
+              <a:t>2/17/2017</a:t>
             </a:fld>
             <a:endParaRPr lang="en-US"/>
           </a:p>
@@ -591,7 +594,7 @@
           <a:p>
             <a:fld id="{49EEC703-91EC-4184-82A0-C28D41779F9F}" type="datetimeFigureOut">
               <a:rPr lang="en-US" smtClean="0"/>
-              <a:t>10/4/2016</a:t>
+              <a:t>2/17/2017</a:t>
             </a:fld>
             <a:endParaRPr lang="en-US"/>
           </a:p>
@@ -759,7 +762,7 @@
           <a:p>
             <a:fld id="{49EEC703-91EC-4184-82A0-C28D41779F9F}" type="datetimeFigureOut">
               <a:rPr lang="en-US" smtClean="0"/>
-              <a:t>10/4/2016</a:t>
+              <a:t>2/17/2017</a:t>
             </a:fld>
             <a:endParaRPr lang="en-US"/>
           </a:p>
@@ -1004,7 +1007,7 @@
           <a:p>
             <a:fld id="{49EEC703-91EC-4184-82A0-C28D41779F9F}" type="datetimeFigureOut">
               <a:rPr lang="en-US" smtClean="0"/>
-              <a:t>10/4/2016</a:t>
+              <a:t>2/17/2017</a:t>
             </a:fld>
             <a:endParaRPr lang="en-US"/>
           </a:p>
@@ -1233,7 +1236,7 @@
           <a:p>
             <a:fld id="{49EEC703-91EC-4184-82A0-C28D41779F9F}" type="datetimeFigureOut">
               <a:rPr lang="en-US" smtClean="0"/>
-              <a:t>10/4/2016</a:t>
+              <a:t>2/17/2017</a:t>
             </a:fld>
             <a:endParaRPr lang="en-US"/>
           </a:p>
@@ -1597,7 +1600,7 @@
           <a:p>
             <a:fld id="{49EEC703-91EC-4184-82A0-C28D41779F9F}" type="datetimeFigureOut">
               <a:rPr lang="en-US" smtClean="0"/>
-              <a:t>10/4/2016</a:t>
+              <a:t>2/17/2017</a:t>
             </a:fld>
             <a:endParaRPr lang="en-US"/>
           </a:p>
@@ -1714,7 +1717,7 @@
           <a:p>
             <a:fld id="{49EEC703-91EC-4184-82A0-C28D41779F9F}" type="datetimeFigureOut">
               <a:rPr lang="en-US" smtClean="0"/>
-              <a:t>10/4/2016</a:t>
+              <a:t>2/17/2017</a:t>
             </a:fld>
             <a:endParaRPr lang="en-US"/>
           </a:p>
@@ -1809,7 +1812,7 @@
           <a:p>
             <a:fld id="{49EEC703-91EC-4184-82A0-C28D41779F9F}" type="datetimeFigureOut">
               <a:rPr lang="en-US" smtClean="0"/>
-              <a:t>10/4/2016</a:t>
+              <a:t>2/17/2017</a:t>
             </a:fld>
             <a:endParaRPr lang="en-US"/>
           </a:p>
@@ -2084,7 +2087,7 @@
           <a:p>
             <a:fld id="{49EEC703-91EC-4184-82A0-C28D41779F9F}" type="datetimeFigureOut">
               <a:rPr lang="en-US" smtClean="0"/>
-              <a:t>10/4/2016</a:t>
+              <a:t>2/17/2017</a:t>
             </a:fld>
             <a:endParaRPr lang="en-US"/>
           </a:p>
@@ -2336,7 +2339,7 @@
           <a:p>
             <a:fld id="{49EEC703-91EC-4184-82A0-C28D41779F9F}" type="datetimeFigureOut">
               <a:rPr lang="en-US" smtClean="0"/>
-              <a:t>10/4/2016</a:t>
+              <a:t>2/17/2017</a:t>
             </a:fld>
             <a:endParaRPr lang="en-US"/>
           </a:p>
@@ -2547,7 +2550,7 @@
           <a:p>
             <a:fld id="{49EEC703-91EC-4184-82A0-C28D41779F9F}" type="datetimeFigureOut">
               <a:rPr lang="en-US" smtClean="0"/>
-              <a:t>10/4/2016</a:t>
+              <a:t>2/17/2017</a:t>
             </a:fld>
             <a:endParaRPr lang="en-US"/>
           </a:p>
@@ -7918,6 +7921,2936 @@
 </p:sld>
 </file>
 
+<file path=ppt/slides/slide6.xml><?xml version="1.0" encoding="utf-8"?>
+<p:sld xmlns:a="http://schemas.openxmlformats.org/drawingml/2006/main" xmlns:r="http://schemas.openxmlformats.org/officeDocument/2006/relationships" xmlns:p="http://schemas.openxmlformats.org/presentationml/2006/main">
+  <p:cSld>
+    <p:spTree>
+      <p:nvGrpSpPr>
+        <p:cNvPr id="1" name=""/>
+        <p:cNvGrpSpPr/>
+        <p:nvPr/>
+      </p:nvGrpSpPr>
+      <p:grpSpPr>
+        <a:xfrm>
+          <a:off x="0" y="0"/>
+          <a:ext cx="0" cy="0"/>
+          <a:chOff x="0" y="0"/>
+          <a:chExt cx="0" cy="0"/>
+        </a:xfrm>
+      </p:grpSpPr>
+      <p:sp>
+        <p:nvSpPr>
+          <p:cNvPr id="5" name="Rectangle 4"/>
+          <p:cNvSpPr/>
+          <p:nvPr/>
+        </p:nvSpPr>
+        <p:spPr>
+          <a:xfrm>
+            <a:off x="653141" y="285070"/>
+            <a:ext cx="9306335" cy="6449786"/>
+          </a:xfrm>
+          <a:prstGeom prst="rect">
+            <a:avLst/>
+          </a:prstGeom>
+          <a:blipFill dpi="0" rotWithShape="1">
+            <a:blip r:embed="rId2">
+              <a:extLst>
+                <a:ext uri="{28A0092B-C50C-407E-A947-70E740481C1C}">
+                  <a14:useLocalDpi xmlns:a14="http://schemas.microsoft.com/office/drawing/2010/main" val="0"/>
+                </a:ext>
+              </a:extLst>
+            </a:blip>
+            <a:srcRect/>
+            <a:stretch>
+              <a:fillRect/>
+            </a:stretch>
+          </a:blipFill>
+          <a:ln>
+            <a:noFill/>
+          </a:ln>
+        </p:spPr>
+        <p:style>
+          <a:lnRef idx="2">
+            <a:schemeClr val="accent1">
+              <a:shade val="50000"/>
+            </a:schemeClr>
+          </a:lnRef>
+          <a:fillRef idx="1">
+            <a:schemeClr val="accent1"/>
+          </a:fillRef>
+          <a:effectRef idx="0">
+            <a:schemeClr val="accent1"/>
+          </a:effectRef>
+          <a:fontRef idx="minor">
+            <a:schemeClr val="lt1"/>
+          </a:fontRef>
+        </p:style>
+        <p:txBody>
+          <a:bodyPr rtlCol="0" anchor="ctr"/>
+          <a:lstStyle/>
+          <a:p>
+            <a:pPr algn="ctr"/>
+            <a:endParaRPr lang="en-US" dirty="0">
+              <a:latin typeface="Segoe UI" panose="020B0502040204020203" pitchFamily="34" charset="0"/>
+              <a:cs typeface="Segoe UI" panose="020B0502040204020203" pitchFamily="34" charset="0"/>
+            </a:endParaRPr>
+          </a:p>
+        </p:txBody>
+      </p:sp>
+      <p:pic>
+        <p:nvPicPr>
+          <p:cNvPr id="6" name="Picture 5"/>
+          <p:cNvPicPr>
+            <a:picLocks noChangeAspect="1"/>
+          </p:cNvPicPr>
+          <p:nvPr/>
+        </p:nvPicPr>
+        <p:blipFill>
+          <a:blip r:embed="rId3">
+            <a:extLst>
+              <a:ext uri="{28A0092B-C50C-407E-A947-70E740481C1C}">
+                <a14:useLocalDpi xmlns:a14="http://schemas.microsoft.com/office/drawing/2010/main" val="0"/>
+              </a:ext>
+            </a:extLst>
+          </a:blip>
+          <a:stretch>
+            <a:fillRect/>
+          </a:stretch>
+        </p:blipFill>
+        <p:spPr>
+          <a:xfrm>
+            <a:off x="7243365" y="2336689"/>
+            <a:ext cx="434014" cy="434014"/>
+          </a:xfrm>
+          <a:prstGeom prst="rect">
+            <a:avLst/>
+          </a:prstGeom>
+        </p:spPr>
+      </p:pic>
+      <p:sp>
+        <p:nvSpPr>
+          <p:cNvPr id="7" name="Rectangle 6"/>
+          <p:cNvSpPr/>
+          <p:nvPr/>
+        </p:nvSpPr>
+        <p:spPr>
+          <a:xfrm rot="827148">
+            <a:off x="7643155" y="2593510"/>
+            <a:ext cx="1458028" cy="338554"/>
+          </a:xfrm>
+          <a:prstGeom prst="rect">
+            <a:avLst/>
+          </a:prstGeom>
+          <a:noFill/>
+        </p:spPr>
+        <p:txBody>
+          <a:bodyPr wrap="none" lIns="91440" tIns="45720" rIns="91440" bIns="45720">
+            <a:spAutoFit/>
+          </a:bodyPr>
+          <a:lstStyle/>
+          <a:p>
+            <a:pPr algn="ctr"/>
+            <a:r>
+              <a:rPr lang="en-US" sz="1600" b="1" cap="none" spc="0" dirty="0">
+                <a:ln w="0"/>
+                <a:solidFill>
+                  <a:schemeClr val="bg1"/>
+                </a:solidFill>
+                <a:latin typeface="Segoe UI" panose="020B0502040204020203" pitchFamily="34" charset="0"/>
+                <a:cs typeface="Segoe UI" panose="020B0502040204020203" pitchFamily="34" charset="0"/>
+              </a:rPr>
+              <a:t>solar thermal</a:t>
+            </a:r>
+          </a:p>
+        </p:txBody>
+      </p:sp>
+      <p:pic>
+        <p:nvPicPr>
+          <p:cNvPr id="13" name="Picture 12"/>
+          <p:cNvPicPr>
+            <a:picLocks noChangeAspect="1"/>
+          </p:cNvPicPr>
+          <p:nvPr/>
+        </p:nvPicPr>
+        <p:blipFill>
+          <a:blip r:embed="rId4">
+            <a:extLst>
+              <a:ext uri="{28A0092B-C50C-407E-A947-70E740481C1C}">
+                <a14:useLocalDpi xmlns:a14="http://schemas.microsoft.com/office/drawing/2010/main" val="0"/>
+              </a:ext>
+            </a:extLst>
+          </a:blip>
+          <a:stretch>
+            <a:fillRect/>
+          </a:stretch>
+        </p:blipFill>
+        <p:spPr>
+          <a:xfrm>
+            <a:off x="5149088" y="3569418"/>
+            <a:ext cx="541977" cy="541977"/>
+          </a:xfrm>
+          <a:prstGeom prst="rect">
+            <a:avLst/>
+          </a:prstGeom>
+        </p:spPr>
+      </p:pic>
+      <p:pic>
+        <p:nvPicPr>
+          <p:cNvPr id="14" name="Picture 13"/>
+          <p:cNvPicPr>
+            <a:picLocks noChangeAspect="1"/>
+          </p:cNvPicPr>
+          <p:nvPr/>
+        </p:nvPicPr>
+        <p:blipFill>
+          <a:blip r:embed="rId5">
+            <a:extLst>
+              <a:ext uri="{28A0092B-C50C-407E-A947-70E740481C1C}">
+                <a14:useLocalDpi xmlns:a14="http://schemas.microsoft.com/office/drawing/2010/main" val="0"/>
+              </a:ext>
+            </a:extLst>
+          </a:blip>
+          <a:stretch>
+            <a:fillRect/>
+          </a:stretch>
+        </p:blipFill>
+        <p:spPr>
+          <a:xfrm>
+            <a:off x="6620464" y="3123037"/>
+            <a:ext cx="730314" cy="730314"/>
+          </a:xfrm>
+          <a:prstGeom prst="rect">
+            <a:avLst/>
+          </a:prstGeom>
+        </p:spPr>
+      </p:pic>
+      <p:pic>
+        <p:nvPicPr>
+          <p:cNvPr id="15" name="Picture 14"/>
+          <p:cNvPicPr>
+            <a:picLocks noChangeAspect="1"/>
+          </p:cNvPicPr>
+          <p:nvPr/>
+        </p:nvPicPr>
+        <p:blipFill>
+          <a:blip r:embed="rId6">
+            <a:extLst>
+              <a:ext uri="{28A0092B-C50C-407E-A947-70E740481C1C}">
+                <a14:useLocalDpi xmlns:a14="http://schemas.microsoft.com/office/drawing/2010/main" val="0"/>
+              </a:ext>
+            </a:extLst>
+          </a:blip>
+          <a:stretch>
+            <a:fillRect/>
+          </a:stretch>
+        </p:blipFill>
+        <p:spPr>
+          <a:xfrm rot="21170148">
+            <a:off x="4718460" y="5541741"/>
+            <a:ext cx="571500" cy="571500"/>
+          </a:xfrm>
+          <a:prstGeom prst="rect">
+            <a:avLst/>
+          </a:prstGeom>
+        </p:spPr>
+      </p:pic>
+      <p:pic>
+        <p:nvPicPr>
+          <p:cNvPr id="16" name="Picture 15"/>
+          <p:cNvPicPr>
+            <a:picLocks noChangeAspect="1"/>
+          </p:cNvPicPr>
+          <p:nvPr/>
+        </p:nvPicPr>
+        <p:blipFill>
+          <a:blip r:embed="rId7">
+            <a:extLst>
+              <a:ext uri="{28A0092B-C50C-407E-A947-70E740481C1C}">
+                <a14:useLocalDpi xmlns:a14="http://schemas.microsoft.com/office/drawing/2010/main" val="0"/>
+              </a:ext>
+            </a:extLst>
+          </a:blip>
+          <a:stretch>
+            <a:fillRect/>
+          </a:stretch>
+        </p:blipFill>
+        <p:spPr>
+          <a:xfrm>
+            <a:off x="7631553" y="4906837"/>
+            <a:ext cx="707597" cy="707597"/>
+          </a:xfrm>
+          <a:prstGeom prst="rect">
+            <a:avLst/>
+          </a:prstGeom>
+        </p:spPr>
+      </p:pic>
+      <p:pic>
+        <p:nvPicPr>
+          <p:cNvPr id="21" name="Picture 20"/>
+          <p:cNvPicPr>
+            <a:picLocks noChangeAspect="1"/>
+          </p:cNvPicPr>
+          <p:nvPr/>
+        </p:nvPicPr>
+        <p:blipFill>
+          <a:blip r:embed="rId8">
+            <a:extLst>
+              <a:ext uri="{28A0092B-C50C-407E-A947-70E740481C1C}">
+                <a14:useLocalDpi xmlns:a14="http://schemas.microsoft.com/office/drawing/2010/main" val="0"/>
+              </a:ext>
+            </a:extLst>
+          </a:blip>
+          <a:stretch>
+            <a:fillRect/>
+          </a:stretch>
+        </p:blipFill>
+        <p:spPr>
+          <a:xfrm>
+            <a:off x="8359812" y="5494703"/>
+            <a:ext cx="264175" cy="264175"/>
+          </a:xfrm>
+          <a:prstGeom prst="rect">
+            <a:avLst/>
+          </a:prstGeom>
+        </p:spPr>
+      </p:pic>
+      <p:pic>
+        <p:nvPicPr>
+          <p:cNvPr id="22" name="Picture 21"/>
+          <p:cNvPicPr>
+            <a:picLocks noChangeAspect="1"/>
+          </p:cNvPicPr>
+          <p:nvPr/>
+        </p:nvPicPr>
+        <p:blipFill>
+          <a:blip r:embed="rId9">
+            <a:extLst>
+              <a:ext uri="{28A0092B-C50C-407E-A947-70E740481C1C}">
+                <a14:useLocalDpi xmlns:a14="http://schemas.microsoft.com/office/drawing/2010/main" val="0"/>
+              </a:ext>
+            </a:extLst>
+          </a:blip>
+          <a:stretch>
+            <a:fillRect/>
+          </a:stretch>
+        </p:blipFill>
+        <p:spPr>
+          <a:xfrm>
+            <a:off x="4410113" y="4370718"/>
+            <a:ext cx="571500" cy="571500"/>
+          </a:xfrm>
+          <a:prstGeom prst="rect">
+            <a:avLst/>
+          </a:prstGeom>
+        </p:spPr>
+      </p:pic>
+      <p:sp>
+        <p:nvSpPr>
+          <p:cNvPr id="23" name="Rectangle 22"/>
+          <p:cNvSpPr/>
+          <p:nvPr/>
+        </p:nvSpPr>
+        <p:spPr>
+          <a:xfrm rot="1017379">
+            <a:off x="7288148" y="3641256"/>
+            <a:ext cx="2044086" cy="461665"/>
+          </a:xfrm>
+          <a:prstGeom prst="rect">
+            <a:avLst/>
+          </a:prstGeom>
+          <a:noFill/>
+        </p:spPr>
+        <p:txBody>
+          <a:bodyPr wrap="none" lIns="91440" tIns="45720" rIns="91440" bIns="45720">
+            <a:prstTxWarp prst="textArchDown">
+              <a:avLst/>
+            </a:prstTxWarp>
+            <a:spAutoFit/>
+          </a:bodyPr>
+          <a:lstStyle/>
+          <a:p>
+            <a:pPr algn="ctr"/>
+            <a:r>
+              <a:rPr lang="en-US" sz="2400" b="1" dirty="0">
+                <a:ln w="0"/>
+                <a:solidFill>
+                  <a:schemeClr val="bg1"/>
+                </a:solidFill>
+                <a:latin typeface="Segoe UI" panose="020B0502040204020203" pitchFamily="34" charset="0"/>
+                <a:cs typeface="Segoe UI" panose="020B0502040204020203" pitchFamily="34" charset="0"/>
+              </a:rPr>
+              <a:t>photovoltaic</a:t>
+            </a:r>
+            <a:endParaRPr lang="en-US" sz="2400" b="1" cap="none" spc="0" dirty="0">
+              <a:ln w="0"/>
+              <a:solidFill>
+                <a:schemeClr val="bg1"/>
+              </a:solidFill>
+              <a:latin typeface="Segoe UI" panose="020B0502040204020203" pitchFamily="34" charset="0"/>
+              <a:cs typeface="Segoe UI" panose="020B0502040204020203" pitchFamily="34" charset="0"/>
+            </a:endParaRPr>
+          </a:p>
+        </p:txBody>
+      </p:sp>
+      <p:sp>
+        <p:nvSpPr>
+          <p:cNvPr id="24" name="Rectangle 23"/>
+          <p:cNvSpPr/>
+          <p:nvPr/>
+        </p:nvSpPr>
+        <p:spPr>
+          <a:xfrm rot="1534630">
+            <a:off x="6795967" y="4721011"/>
+            <a:ext cx="894797" cy="461665"/>
+          </a:xfrm>
+          <a:prstGeom prst="rect">
+            <a:avLst/>
+          </a:prstGeom>
+          <a:noFill/>
+        </p:spPr>
+        <p:txBody>
+          <a:bodyPr wrap="none" lIns="91440" tIns="45720" rIns="91440" bIns="45720">
+            <a:spAutoFit/>
+          </a:bodyPr>
+          <a:lstStyle/>
+          <a:p>
+            <a:pPr algn="ctr"/>
+            <a:r>
+              <a:rPr lang="en-US" sz="2400" b="1" dirty="0">
+                <a:ln w="0"/>
+                <a:solidFill>
+                  <a:schemeClr val="bg1"/>
+                </a:solidFill>
+                <a:latin typeface="Segoe UI" panose="020B0502040204020203" pitchFamily="34" charset="0"/>
+                <a:cs typeface="Segoe UI" panose="020B0502040204020203" pitchFamily="34" charset="0"/>
+              </a:rPr>
+              <a:t>w</a:t>
+            </a:r>
+            <a:r>
+              <a:rPr lang="en-US" sz="2400" b="1" cap="none" spc="0" dirty="0">
+                <a:ln w="0"/>
+                <a:solidFill>
+                  <a:schemeClr val="bg1"/>
+                </a:solidFill>
+                <a:latin typeface="Segoe UI" panose="020B0502040204020203" pitchFamily="34" charset="0"/>
+                <a:cs typeface="Segoe UI" panose="020B0502040204020203" pitchFamily="34" charset="0"/>
+              </a:rPr>
+              <a:t>ind</a:t>
+            </a:r>
+          </a:p>
+        </p:txBody>
+      </p:sp>
+      <p:sp>
+        <p:nvSpPr>
+          <p:cNvPr id="25" name="Rectangle 24"/>
+          <p:cNvSpPr/>
+          <p:nvPr/>
+        </p:nvSpPr>
+        <p:spPr>
+          <a:xfrm>
+            <a:off x="8534871" y="5471494"/>
+            <a:ext cx="984565" cy="261610"/>
+          </a:xfrm>
+          <a:prstGeom prst="rect">
+            <a:avLst/>
+          </a:prstGeom>
+          <a:noFill/>
+        </p:spPr>
+        <p:txBody>
+          <a:bodyPr wrap="none" lIns="91440" tIns="45720" rIns="91440" bIns="45720">
+            <a:spAutoFit/>
+          </a:bodyPr>
+          <a:lstStyle/>
+          <a:p>
+            <a:pPr algn="ctr"/>
+            <a:r>
+              <a:rPr lang="en-US" sz="1100" b="1" dirty="0">
+                <a:ln w="0"/>
+                <a:solidFill>
+                  <a:schemeClr val="bg1"/>
+                </a:solidFill>
+                <a:latin typeface="Segoe UI" panose="020B0502040204020203" pitchFamily="34" charset="0"/>
+                <a:cs typeface="Segoe UI" panose="020B0502040204020203" pitchFamily="34" charset="0"/>
+              </a:rPr>
+              <a:t>geothermal</a:t>
+            </a:r>
+            <a:endParaRPr lang="en-US" sz="1100" b="1" cap="none" spc="0" dirty="0">
+              <a:ln w="0"/>
+              <a:solidFill>
+                <a:schemeClr val="bg1"/>
+              </a:solidFill>
+              <a:latin typeface="Segoe UI" panose="020B0502040204020203" pitchFamily="34" charset="0"/>
+              <a:cs typeface="Segoe UI" panose="020B0502040204020203" pitchFamily="34" charset="0"/>
+            </a:endParaRPr>
+          </a:p>
+        </p:txBody>
+      </p:sp>
+      <p:sp>
+        <p:nvSpPr>
+          <p:cNvPr id="28" name="Rectangle 27"/>
+          <p:cNvSpPr/>
+          <p:nvPr/>
+        </p:nvSpPr>
+        <p:spPr>
+          <a:xfrm rot="21128410">
+            <a:off x="5275211" y="5530329"/>
+            <a:ext cx="672684" cy="400110"/>
+          </a:xfrm>
+          <a:prstGeom prst="rect">
+            <a:avLst/>
+          </a:prstGeom>
+          <a:noFill/>
+        </p:spPr>
+        <p:txBody>
+          <a:bodyPr wrap="none" lIns="91440" tIns="45720" rIns="91440" bIns="45720">
+            <a:spAutoFit/>
+          </a:bodyPr>
+          <a:lstStyle/>
+          <a:p>
+            <a:pPr algn="ctr"/>
+            <a:r>
+              <a:rPr lang="en-US" sz="2000" b="1" dirty="0">
+                <a:ln w="0"/>
+                <a:solidFill>
+                  <a:schemeClr val="bg1"/>
+                </a:solidFill>
+                <a:latin typeface="Segoe UI" panose="020B0502040204020203" pitchFamily="34" charset="0"/>
+                <a:cs typeface="Segoe UI" panose="020B0502040204020203" pitchFamily="34" charset="0"/>
+              </a:rPr>
+              <a:t>coal</a:t>
+            </a:r>
+            <a:endParaRPr lang="en-US" sz="2000" b="1" cap="none" spc="0" dirty="0">
+              <a:ln w="0"/>
+              <a:solidFill>
+                <a:schemeClr val="bg1"/>
+              </a:solidFill>
+              <a:latin typeface="Segoe UI" panose="020B0502040204020203" pitchFamily="34" charset="0"/>
+              <a:cs typeface="Segoe UI" panose="020B0502040204020203" pitchFamily="34" charset="0"/>
+            </a:endParaRPr>
+          </a:p>
+        </p:txBody>
+      </p:sp>
+      <p:sp>
+        <p:nvSpPr>
+          <p:cNvPr id="29" name="Rectangle 28"/>
+          <p:cNvSpPr/>
+          <p:nvPr/>
+        </p:nvSpPr>
+        <p:spPr>
+          <a:xfrm>
+            <a:off x="4829896" y="4474316"/>
+            <a:ext cx="486031" cy="400110"/>
+          </a:xfrm>
+          <a:prstGeom prst="rect">
+            <a:avLst/>
+          </a:prstGeom>
+          <a:noFill/>
+        </p:spPr>
+        <p:txBody>
+          <a:bodyPr wrap="none" lIns="91440" tIns="45720" rIns="91440" bIns="45720">
+            <a:spAutoFit/>
+          </a:bodyPr>
+          <a:lstStyle/>
+          <a:p>
+            <a:pPr algn="ctr"/>
+            <a:r>
+              <a:rPr lang="en-US" sz="2000" b="1" dirty="0">
+                <a:ln w="0"/>
+                <a:solidFill>
+                  <a:schemeClr val="bg1"/>
+                </a:solidFill>
+                <a:latin typeface="Segoe UI" panose="020B0502040204020203" pitchFamily="34" charset="0"/>
+                <a:cs typeface="Segoe UI" panose="020B0502040204020203" pitchFamily="34" charset="0"/>
+              </a:rPr>
+              <a:t>oil</a:t>
+            </a:r>
+            <a:endParaRPr lang="en-US" sz="2000" b="1" cap="none" spc="0" dirty="0">
+              <a:ln w="0"/>
+              <a:solidFill>
+                <a:schemeClr val="bg1"/>
+              </a:solidFill>
+              <a:latin typeface="Segoe UI" panose="020B0502040204020203" pitchFamily="34" charset="0"/>
+              <a:cs typeface="Segoe UI" panose="020B0502040204020203" pitchFamily="34" charset="0"/>
+            </a:endParaRPr>
+          </a:p>
+        </p:txBody>
+      </p:sp>
+      <p:sp>
+        <p:nvSpPr>
+          <p:cNvPr id="30" name="Rectangle 29"/>
+          <p:cNvSpPr/>
+          <p:nvPr/>
+        </p:nvSpPr>
+        <p:spPr>
+          <a:xfrm rot="19670849">
+            <a:off x="4607013" y="3816222"/>
+            <a:ext cx="593431" cy="400110"/>
+          </a:xfrm>
+          <a:prstGeom prst="rect">
+            <a:avLst/>
+          </a:prstGeom>
+          <a:noFill/>
+        </p:spPr>
+        <p:txBody>
+          <a:bodyPr wrap="none" lIns="91440" tIns="45720" rIns="91440" bIns="45720">
+            <a:spAutoFit/>
+          </a:bodyPr>
+          <a:lstStyle/>
+          <a:p>
+            <a:pPr algn="ctr"/>
+            <a:r>
+              <a:rPr lang="en-US" sz="2000" b="1" dirty="0">
+                <a:ln w="0"/>
+                <a:solidFill>
+                  <a:schemeClr val="bg1"/>
+                </a:solidFill>
+                <a:latin typeface="Segoe UI" panose="020B0502040204020203" pitchFamily="34" charset="0"/>
+                <a:cs typeface="Segoe UI" panose="020B0502040204020203" pitchFamily="34" charset="0"/>
+              </a:rPr>
+              <a:t>gas</a:t>
+            </a:r>
+            <a:endParaRPr lang="en-US" sz="2000" b="1" cap="none" spc="0" dirty="0">
+              <a:ln w="0"/>
+              <a:solidFill>
+                <a:schemeClr val="bg1"/>
+              </a:solidFill>
+              <a:latin typeface="Segoe UI" panose="020B0502040204020203" pitchFamily="34" charset="0"/>
+              <a:cs typeface="Segoe UI" panose="020B0502040204020203" pitchFamily="34" charset="0"/>
+            </a:endParaRPr>
+          </a:p>
+        </p:txBody>
+      </p:sp>
+      <p:sp>
+        <p:nvSpPr>
+          <p:cNvPr id="31" name="Rectangle 30"/>
+          <p:cNvSpPr/>
+          <p:nvPr/>
+        </p:nvSpPr>
+        <p:spPr>
+          <a:xfrm>
+            <a:off x="1992514" y="2786828"/>
+            <a:ext cx="2400016" cy="276999"/>
+          </a:xfrm>
+          <a:prstGeom prst="rect">
+            <a:avLst/>
+          </a:prstGeom>
+          <a:noFill/>
+        </p:spPr>
+        <p:txBody>
+          <a:bodyPr wrap="none" lIns="91440" tIns="45720" rIns="91440" bIns="45720">
+            <a:spAutoFit/>
+          </a:bodyPr>
+          <a:lstStyle/>
+          <a:p>
+            <a:pPr algn="ctr"/>
+            <a:r>
+              <a:rPr lang="en-US" sz="1200" b="1" dirty="0">
+                <a:ln w="0"/>
+                <a:solidFill>
+                  <a:srgbClr val="929292"/>
+                </a:solidFill>
+                <a:latin typeface="Segoe UI" panose="020B0502040204020203" pitchFamily="34" charset="0"/>
+                <a:cs typeface="Segoe UI" panose="020B0502040204020203" pitchFamily="34" charset="0"/>
+              </a:rPr>
+              <a:t>energy investment into energy</a:t>
+            </a:r>
+            <a:endParaRPr lang="en-US" sz="1200" b="1" cap="none" spc="0" dirty="0">
+              <a:ln w="0"/>
+              <a:solidFill>
+                <a:srgbClr val="929292"/>
+              </a:solidFill>
+              <a:latin typeface="Segoe UI" panose="020B0502040204020203" pitchFamily="34" charset="0"/>
+              <a:cs typeface="Segoe UI" panose="020B0502040204020203" pitchFamily="34" charset="0"/>
+            </a:endParaRPr>
+          </a:p>
+        </p:txBody>
+      </p:sp>
+      <p:sp>
+        <p:nvSpPr>
+          <p:cNvPr id="32" name="Rectangle 31"/>
+          <p:cNvSpPr/>
+          <p:nvPr/>
+        </p:nvSpPr>
+        <p:spPr>
+          <a:xfrm>
+            <a:off x="2024628" y="3535880"/>
+            <a:ext cx="1763047" cy="276999"/>
+          </a:xfrm>
+          <a:prstGeom prst="rect">
+            <a:avLst/>
+          </a:prstGeom>
+          <a:noFill/>
+        </p:spPr>
+        <p:txBody>
+          <a:bodyPr wrap="none" lIns="91440" tIns="45720" rIns="91440" bIns="45720">
+            <a:spAutoFit/>
+          </a:bodyPr>
+          <a:lstStyle/>
+          <a:p>
+            <a:pPr algn="ctr"/>
+            <a:r>
+              <a:rPr lang="en-US" sz="1200" b="1" dirty="0">
+                <a:ln w="0"/>
+                <a:solidFill>
+                  <a:srgbClr val="8E8E8E"/>
+                </a:solidFill>
+                <a:latin typeface="Segoe UI" panose="020B0502040204020203" pitchFamily="34" charset="0"/>
+                <a:cs typeface="Segoe UI" panose="020B0502040204020203" pitchFamily="34" charset="0"/>
+              </a:rPr>
+              <a:t>net energy for society</a:t>
+            </a:r>
+            <a:endParaRPr lang="en-US" sz="1200" b="1" cap="none" spc="0" dirty="0">
+              <a:ln w="0"/>
+              <a:solidFill>
+                <a:srgbClr val="8E8E8E"/>
+              </a:solidFill>
+              <a:latin typeface="Segoe UI" panose="020B0502040204020203" pitchFamily="34" charset="0"/>
+              <a:cs typeface="Segoe UI" panose="020B0502040204020203" pitchFamily="34" charset="0"/>
+            </a:endParaRPr>
+          </a:p>
+        </p:txBody>
+      </p:sp>
+      <p:cxnSp>
+        <p:nvCxnSpPr>
+          <p:cNvPr id="40" name="Straight Arrow Connector 39"/>
+          <p:cNvCxnSpPr/>
+          <p:nvPr/>
+        </p:nvCxnSpPr>
+        <p:spPr>
+          <a:xfrm>
+            <a:off x="2971413" y="3902617"/>
+            <a:ext cx="589112" cy="1445402"/>
+          </a:xfrm>
+          <a:prstGeom prst="straightConnector1">
+            <a:avLst/>
+          </a:prstGeom>
+          <a:ln w="19050">
+            <a:solidFill>
+              <a:srgbClr val="8E8E8E"/>
+            </a:solidFill>
+            <a:headEnd type="none" w="med" len="med"/>
+            <a:tailEnd type="triangle" w="med" len="med"/>
+          </a:ln>
+        </p:spPr>
+        <p:style>
+          <a:lnRef idx="1">
+            <a:schemeClr val="accent1"/>
+          </a:lnRef>
+          <a:fillRef idx="0">
+            <a:schemeClr val="accent1"/>
+          </a:fillRef>
+          <a:effectRef idx="0">
+            <a:schemeClr val="accent1"/>
+          </a:effectRef>
+          <a:fontRef idx="minor">
+            <a:schemeClr val="tx1"/>
+          </a:fontRef>
+        </p:style>
+      </p:cxnSp>
+      <p:cxnSp>
+        <p:nvCxnSpPr>
+          <p:cNvPr id="43" name="Straight Arrow Connector 42"/>
+          <p:cNvCxnSpPr/>
+          <p:nvPr/>
+        </p:nvCxnSpPr>
+        <p:spPr>
+          <a:xfrm>
+            <a:off x="4363153" y="3037603"/>
+            <a:ext cx="308644" cy="757265"/>
+          </a:xfrm>
+          <a:prstGeom prst="straightConnector1">
+            <a:avLst/>
+          </a:prstGeom>
+          <a:ln w="19050">
+            <a:solidFill>
+              <a:srgbClr val="8E8E8E"/>
+            </a:solidFill>
+            <a:headEnd type="none" w="med" len="med"/>
+            <a:tailEnd type="triangle" w="med" len="med"/>
+          </a:ln>
+        </p:spPr>
+        <p:style>
+          <a:lnRef idx="1">
+            <a:schemeClr val="accent1"/>
+          </a:lnRef>
+          <a:fillRef idx="0">
+            <a:schemeClr val="accent1"/>
+          </a:fillRef>
+          <a:effectRef idx="0">
+            <a:schemeClr val="accent1"/>
+          </a:effectRef>
+          <a:fontRef idx="minor">
+            <a:schemeClr val="tx1"/>
+          </a:fontRef>
+        </p:style>
+      </p:cxnSp>
+      <p:pic>
+        <p:nvPicPr>
+          <p:cNvPr id="27" name="Picture 26"/>
+          <p:cNvPicPr>
+            <a:picLocks noChangeAspect="1"/>
+          </p:cNvPicPr>
+          <p:nvPr/>
+        </p:nvPicPr>
+        <p:blipFill>
+          <a:blip r:embed="rId10">
+            <a:extLst>
+              <a:ext uri="{BEBA8EAE-BF5A-486C-A8C5-ECC9F3942E4B}">
+                <a14:imgProps xmlns:a14="http://schemas.microsoft.com/office/drawing/2010/main">
+                  <a14:imgLayer r:embed="rId11">
+                    <a14:imgEffect>
+                      <a14:brightnessContrast bright="-20000" contrast="-20000"/>
+                    </a14:imgEffect>
+                  </a14:imgLayer>
+                </a14:imgProps>
+              </a:ext>
+              <a:ext uri="{28A0092B-C50C-407E-A947-70E740481C1C}">
+                <a14:useLocalDpi xmlns:a14="http://schemas.microsoft.com/office/drawing/2010/main" val="0"/>
+              </a:ext>
+            </a:extLst>
+          </a:blip>
+          <a:stretch>
+            <a:fillRect/>
+          </a:stretch>
+        </p:blipFill>
+        <p:spPr>
+          <a:xfrm>
+            <a:off x="9064724" y="5887022"/>
+            <a:ext cx="392085" cy="392085"/>
+          </a:xfrm>
+          <a:prstGeom prst="rect">
+            <a:avLst/>
+          </a:prstGeom>
+        </p:spPr>
+      </p:pic>
+      <p:pic>
+        <p:nvPicPr>
+          <p:cNvPr id="34" name="Picture 33"/>
+          <p:cNvPicPr>
+            <a:picLocks noChangeAspect="1"/>
+          </p:cNvPicPr>
+          <p:nvPr/>
+        </p:nvPicPr>
+        <p:blipFill>
+          <a:blip r:embed="rId12">
+            <a:extLst>
+              <a:ext uri="{BEBA8EAE-BF5A-486C-A8C5-ECC9F3942E4B}">
+                <a14:imgProps xmlns:a14="http://schemas.microsoft.com/office/drawing/2010/main">
+                  <a14:imgLayer r:embed="rId13">
+                    <a14:imgEffect>
+                      <a14:brightnessContrast bright="-20000" contrast="-20000"/>
+                    </a14:imgEffect>
+                  </a14:imgLayer>
+                </a14:imgProps>
+              </a:ext>
+              <a:ext uri="{28A0092B-C50C-407E-A947-70E740481C1C}">
+                <a14:useLocalDpi xmlns:a14="http://schemas.microsoft.com/office/drawing/2010/main" val="0"/>
+              </a:ext>
+            </a:extLst>
+          </a:blip>
+          <a:stretch>
+            <a:fillRect/>
+          </a:stretch>
+        </p:blipFill>
+        <p:spPr>
+          <a:xfrm>
+            <a:off x="8615690" y="5845490"/>
+            <a:ext cx="435765" cy="435765"/>
+          </a:xfrm>
+          <a:prstGeom prst="rect">
+            <a:avLst/>
+          </a:prstGeom>
+        </p:spPr>
+      </p:pic>
+      <p:pic>
+        <p:nvPicPr>
+          <p:cNvPr id="35" name="Picture 34"/>
+          <p:cNvPicPr>
+            <a:picLocks noChangeAspect="1"/>
+          </p:cNvPicPr>
+          <p:nvPr/>
+        </p:nvPicPr>
+        <p:blipFill>
+          <a:blip r:embed="rId14">
+            <a:extLst>
+              <a:ext uri="{BEBA8EAE-BF5A-486C-A8C5-ECC9F3942E4B}">
+                <a14:imgProps xmlns:a14="http://schemas.microsoft.com/office/drawing/2010/main">
+                  <a14:imgLayer r:embed="rId15">
+                    <a14:imgEffect>
+                      <a14:brightnessContrast bright="-20000" contrast="-20000"/>
+                    </a14:imgEffect>
+                  </a14:imgLayer>
+                </a14:imgProps>
+              </a:ext>
+              <a:ext uri="{28A0092B-C50C-407E-A947-70E740481C1C}">
+                <a14:useLocalDpi xmlns:a14="http://schemas.microsoft.com/office/drawing/2010/main" val="0"/>
+              </a:ext>
+            </a:extLst>
+          </a:blip>
+          <a:stretch>
+            <a:fillRect/>
+          </a:stretch>
+        </p:blipFill>
+        <p:spPr>
+          <a:xfrm>
+            <a:off x="7497867" y="5864562"/>
+            <a:ext cx="435765" cy="435765"/>
+          </a:xfrm>
+          <a:prstGeom prst="rect">
+            <a:avLst/>
+          </a:prstGeom>
+        </p:spPr>
+      </p:pic>
+      <p:pic>
+        <p:nvPicPr>
+          <p:cNvPr id="36" name="Picture 35"/>
+          <p:cNvPicPr>
+            <a:picLocks noChangeAspect="1"/>
+          </p:cNvPicPr>
+          <p:nvPr/>
+        </p:nvPicPr>
+        <p:blipFill>
+          <a:blip r:embed="rId16">
+            <a:extLst>
+              <a:ext uri="{BEBA8EAE-BF5A-486C-A8C5-ECC9F3942E4B}">
+                <a14:imgProps xmlns:a14="http://schemas.microsoft.com/office/drawing/2010/main">
+                  <a14:imgLayer r:embed="rId17">
+                    <a14:imgEffect>
+                      <a14:brightnessContrast bright="-20000" contrast="-20000"/>
+                    </a14:imgEffect>
+                  </a14:imgLayer>
+                </a14:imgProps>
+              </a:ext>
+              <a:ext uri="{28A0092B-C50C-407E-A947-70E740481C1C}">
+                <a14:useLocalDpi xmlns:a14="http://schemas.microsoft.com/office/drawing/2010/main" val="0"/>
+              </a:ext>
+            </a:extLst>
+          </a:blip>
+          <a:stretch>
+            <a:fillRect/>
+          </a:stretch>
+        </p:blipFill>
+        <p:spPr>
+          <a:xfrm>
+            <a:off x="8033449" y="5843342"/>
+            <a:ext cx="435765" cy="435765"/>
+          </a:xfrm>
+          <a:prstGeom prst="rect">
+            <a:avLst/>
+          </a:prstGeom>
+        </p:spPr>
+      </p:pic>
+      <p:sp>
+        <p:nvSpPr>
+          <p:cNvPr id="37" name="Rectangle 36"/>
+          <p:cNvSpPr/>
+          <p:nvPr/>
+        </p:nvSpPr>
+        <p:spPr>
+          <a:xfrm>
+            <a:off x="6021645" y="5945641"/>
+            <a:ext cx="1438727" cy="338554"/>
+          </a:xfrm>
+          <a:prstGeom prst="rect">
+            <a:avLst/>
+          </a:prstGeom>
+          <a:noFill/>
+        </p:spPr>
+        <p:txBody>
+          <a:bodyPr wrap="none" lIns="91440" tIns="45720" rIns="91440" bIns="45720">
+            <a:spAutoFit/>
+          </a:bodyPr>
+          <a:lstStyle/>
+          <a:p>
+            <a:pPr algn="ctr"/>
+            <a:r>
+              <a:rPr lang="en-US" sz="1600" b="1" dirty="0">
+                <a:ln w="0"/>
+                <a:solidFill>
+                  <a:schemeClr val="bg1">
+                    <a:lumMod val="75000"/>
+                  </a:schemeClr>
+                </a:solidFill>
+                <a:latin typeface="Segoe UI" panose="020B0502040204020203" pitchFamily="34" charset="0"/>
+                <a:cs typeface="Segoe UI" panose="020B0502040204020203" pitchFamily="34" charset="0"/>
+              </a:rPr>
+              <a:t>scale-limited</a:t>
+            </a:r>
+            <a:endParaRPr lang="en-US" sz="1600" b="1" cap="none" spc="0" dirty="0">
+              <a:ln w="0"/>
+              <a:solidFill>
+                <a:schemeClr val="bg1">
+                  <a:lumMod val="75000"/>
+                </a:schemeClr>
+              </a:solidFill>
+              <a:latin typeface="Segoe UI" panose="020B0502040204020203" pitchFamily="34" charset="0"/>
+              <a:cs typeface="Segoe UI" panose="020B0502040204020203" pitchFamily="34" charset="0"/>
+            </a:endParaRPr>
+          </a:p>
+        </p:txBody>
+      </p:sp>
+    </p:spTree>
+    <p:extLst>
+      <p:ext uri="{BB962C8B-B14F-4D97-AF65-F5344CB8AC3E}">
+        <p14:creationId xmlns:p14="http://schemas.microsoft.com/office/powerpoint/2010/main" val="3050105987"/>
+      </p:ext>
+    </p:extLst>
+  </p:cSld>
+  <p:clrMapOvr>
+    <a:masterClrMapping/>
+  </p:clrMapOvr>
+</p:sld>
+</file>
+
+<file path=ppt/slides/slide7.xml><?xml version="1.0" encoding="utf-8"?>
+<p:sld xmlns:a="http://schemas.openxmlformats.org/drawingml/2006/main" xmlns:r="http://schemas.openxmlformats.org/officeDocument/2006/relationships" xmlns:p="http://schemas.openxmlformats.org/presentationml/2006/main">
+  <p:cSld>
+    <p:spTree>
+      <p:nvGrpSpPr>
+        <p:cNvPr id="1" name=""/>
+        <p:cNvGrpSpPr/>
+        <p:nvPr/>
+      </p:nvGrpSpPr>
+      <p:grpSpPr>
+        <a:xfrm>
+          <a:off x="0" y="0"/>
+          <a:ext cx="0" cy="0"/>
+          <a:chOff x="0" y="0"/>
+          <a:chExt cx="0" cy="0"/>
+        </a:xfrm>
+      </p:grpSpPr>
+      <p:sp>
+        <p:nvSpPr>
+          <p:cNvPr id="5" name="Rectangle 4"/>
+          <p:cNvSpPr/>
+          <p:nvPr/>
+        </p:nvSpPr>
+        <p:spPr>
+          <a:xfrm>
+            <a:off x="653141" y="285070"/>
+            <a:ext cx="9306335" cy="6449786"/>
+          </a:xfrm>
+          <a:prstGeom prst="rect">
+            <a:avLst/>
+          </a:prstGeom>
+          <a:blipFill dpi="0" rotWithShape="1">
+            <a:blip r:embed="rId2">
+              <a:extLst>
+                <a:ext uri="{28A0092B-C50C-407E-A947-70E740481C1C}">
+                  <a14:useLocalDpi xmlns:a14="http://schemas.microsoft.com/office/drawing/2010/main" val="0"/>
+                </a:ext>
+              </a:extLst>
+            </a:blip>
+            <a:srcRect/>
+            <a:stretch>
+              <a:fillRect/>
+            </a:stretch>
+          </a:blipFill>
+          <a:ln>
+            <a:noFill/>
+          </a:ln>
+        </p:spPr>
+        <p:style>
+          <a:lnRef idx="2">
+            <a:schemeClr val="accent1">
+              <a:shade val="50000"/>
+            </a:schemeClr>
+          </a:lnRef>
+          <a:fillRef idx="1">
+            <a:schemeClr val="accent1"/>
+          </a:fillRef>
+          <a:effectRef idx="0">
+            <a:schemeClr val="accent1"/>
+          </a:effectRef>
+          <a:fontRef idx="minor">
+            <a:schemeClr val="lt1"/>
+          </a:fontRef>
+        </p:style>
+        <p:txBody>
+          <a:bodyPr rtlCol="0" anchor="ctr"/>
+          <a:lstStyle/>
+          <a:p>
+            <a:pPr algn="ctr"/>
+            <a:endParaRPr lang="en-US" dirty="0"/>
+          </a:p>
+        </p:txBody>
+      </p:sp>
+      <p:pic>
+        <p:nvPicPr>
+          <p:cNvPr id="6" name="Picture 5"/>
+          <p:cNvPicPr>
+            <a:picLocks noChangeAspect="1"/>
+          </p:cNvPicPr>
+          <p:nvPr/>
+        </p:nvPicPr>
+        <p:blipFill>
+          <a:blip r:embed="rId3">
+            <a:extLst>
+              <a:ext uri="{28A0092B-C50C-407E-A947-70E740481C1C}">
+                <a14:useLocalDpi xmlns:a14="http://schemas.microsoft.com/office/drawing/2010/main" val="0"/>
+              </a:ext>
+            </a:extLst>
+          </a:blip>
+          <a:stretch>
+            <a:fillRect/>
+          </a:stretch>
+        </p:blipFill>
+        <p:spPr>
+          <a:xfrm>
+            <a:off x="7243365" y="2336689"/>
+            <a:ext cx="434014" cy="434014"/>
+          </a:xfrm>
+          <a:prstGeom prst="rect">
+            <a:avLst/>
+          </a:prstGeom>
+        </p:spPr>
+      </p:pic>
+      <p:sp>
+        <p:nvSpPr>
+          <p:cNvPr id="7" name="Rectangle 6"/>
+          <p:cNvSpPr/>
+          <p:nvPr/>
+        </p:nvSpPr>
+        <p:spPr>
+          <a:xfrm rot="827148">
+            <a:off x="7607376" y="2593510"/>
+            <a:ext cx="1529586" cy="338554"/>
+          </a:xfrm>
+          <a:prstGeom prst="rect">
+            <a:avLst/>
+          </a:prstGeom>
+          <a:noFill/>
+        </p:spPr>
+        <p:txBody>
+          <a:bodyPr wrap="none" lIns="91440" tIns="45720" rIns="91440" bIns="45720">
+            <a:spAutoFit/>
+          </a:bodyPr>
+          <a:lstStyle/>
+          <a:p>
+            <a:pPr algn="ctr"/>
+            <a:r>
+              <a:rPr lang="en-US" sz="1600" b="1" cap="none" spc="0" dirty="0">
+                <a:ln w="0"/>
+                <a:solidFill>
+                  <a:schemeClr val="bg1"/>
+                </a:solidFill>
+                <a:latin typeface="Comfortaa" panose="020F0603070200060003" pitchFamily="34" charset="0"/>
+              </a:rPr>
+              <a:t>solar thermal</a:t>
+            </a:r>
+          </a:p>
+        </p:txBody>
+      </p:sp>
+      <p:pic>
+        <p:nvPicPr>
+          <p:cNvPr id="13" name="Picture 12"/>
+          <p:cNvPicPr>
+            <a:picLocks noChangeAspect="1"/>
+          </p:cNvPicPr>
+          <p:nvPr/>
+        </p:nvPicPr>
+        <p:blipFill>
+          <a:blip r:embed="rId4">
+            <a:extLst>
+              <a:ext uri="{28A0092B-C50C-407E-A947-70E740481C1C}">
+                <a14:useLocalDpi xmlns:a14="http://schemas.microsoft.com/office/drawing/2010/main" val="0"/>
+              </a:ext>
+            </a:extLst>
+          </a:blip>
+          <a:stretch>
+            <a:fillRect/>
+          </a:stretch>
+        </p:blipFill>
+        <p:spPr>
+          <a:xfrm>
+            <a:off x="5149088" y="3569418"/>
+            <a:ext cx="541977" cy="541977"/>
+          </a:xfrm>
+          <a:prstGeom prst="rect">
+            <a:avLst/>
+          </a:prstGeom>
+        </p:spPr>
+      </p:pic>
+      <p:pic>
+        <p:nvPicPr>
+          <p:cNvPr id="14" name="Picture 13"/>
+          <p:cNvPicPr>
+            <a:picLocks noChangeAspect="1"/>
+          </p:cNvPicPr>
+          <p:nvPr/>
+        </p:nvPicPr>
+        <p:blipFill>
+          <a:blip r:embed="rId5">
+            <a:extLst>
+              <a:ext uri="{28A0092B-C50C-407E-A947-70E740481C1C}">
+                <a14:useLocalDpi xmlns:a14="http://schemas.microsoft.com/office/drawing/2010/main" val="0"/>
+              </a:ext>
+            </a:extLst>
+          </a:blip>
+          <a:stretch>
+            <a:fillRect/>
+          </a:stretch>
+        </p:blipFill>
+        <p:spPr>
+          <a:xfrm>
+            <a:off x="6620464" y="3123037"/>
+            <a:ext cx="730314" cy="730314"/>
+          </a:xfrm>
+          <a:prstGeom prst="rect">
+            <a:avLst/>
+          </a:prstGeom>
+        </p:spPr>
+      </p:pic>
+      <p:pic>
+        <p:nvPicPr>
+          <p:cNvPr id="15" name="Picture 14"/>
+          <p:cNvPicPr>
+            <a:picLocks noChangeAspect="1"/>
+          </p:cNvPicPr>
+          <p:nvPr/>
+        </p:nvPicPr>
+        <p:blipFill>
+          <a:blip r:embed="rId6">
+            <a:extLst>
+              <a:ext uri="{28A0092B-C50C-407E-A947-70E740481C1C}">
+                <a14:useLocalDpi xmlns:a14="http://schemas.microsoft.com/office/drawing/2010/main" val="0"/>
+              </a:ext>
+            </a:extLst>
+          </a:blip>
+          <a:stretch>
+            <a:fillRect/>
+          </a:stretch>
+        </p:blipFill>
+        <p:spPr>
+          <a:xfrm rot="21170148">
+            <a:off x="4718460" y="5541741"/>
+            <a:ext cx="571500" cy="571500"/>
+          </a:xfrm>
+          <a:prstGeom prst="rect">
+            <a:avLst/>
+          </a:prstGeom>
+        </p:spPr>
+      </p:pic>
+      <p:pic>
+        <p:nvPicPr>
+          <p:cNvPr id="16" name="Picture 15"/>
+          <p:cNvPicPr>
+            <a:picLocks noChangeAspect="1"/>
+          </p:cNvPicPr>
+          <p:nvPr/>
+        </p:nvPicPr>
+        <p:blipFill>
+          <a:blip r:embed="rId7">
+            <a:extLst>
+              <a:ext uri="{28A0092B-C50C-407E-A947-70E740481C1C}">
+                <a14:useLocalDpi xmlns:a14="http://schemas.microsoft.com/office/drawing/2010/main" val="0"/>
+              </a:ext>
+            </a:extLst>
+          </a:blip>
+          <a:stretch>
+            <a:fillRect/>
+          </a:stretch>
+        </p:blipFill>
+        <p:spPr>
+          <a:xfrm>
+            <a:off x="7631553" y="4906837"/>
+            <a:ext cx="707597" cy="707597"/>
+          </a:xfrm>
+          <a:prstGeom prst="rect">
+            <a:avLst/>
+          </a:prstGeom>
+        </p:spPr>
+      </p:pic>
+      <p:pic>
+        <p:nvPicPr>
+          <p:cNvPr id="21" name="Picture 20"/>
+          <p:cNvPicPr>
+            <a:picLocks noChangeAspect="1"/>
+          </p:cNvPicPr>
+          <p:nvPr/>
+        </p:nvPicPr>
+        <p:blipFill>
+          <a:blip r:embed="rId8">
+            <a:extLst>
+              <a:ext uri="{28A0092B-C50C-407E-A947-70E740481C1C}">
+                <a14:useLocalDpi xmlns:a14="http://schemas.microsoft.com/office/drawing/2010/main" val="0"/>
+              </a:ext>
+            </a:extLst>
+          </a:blip>
+          <a:stretch>
+            <a:fillRect/>
+          </a:stretch>
+        </p:blipFill>
+        <p:spPr>
+          <a:xfrm>
+            <a:off x="8359812" y="5494703"/>
+            <a:ext cx="264175" cy="264175"/>
+          </a:xfrm>
+          <a:prstGeom prst="rect">
+            <a:avLst/>
+          </a:prstGeom>
+        </p:spPr>
+      </p:pic>
+      <p:pic>
+        <p:nvPicPr>
+          <p:cNvPr id="22" name="Picture 21"/>
+          <p:cNvPicPr>
+            <a:picLocks noChangeAspect="1"/>
+          </p:cNvPicPr>
+          <p:nvPr/>
+        </p:nvPicPr>
+        <p:blipFill>
+          <a:blip r:embed="rId9">
+            <a:extLst>
+              <a:ext uri="{28A0092B-C50C-407E-A947-70E740481C1C}">
+                <a14:useLocalDpi xmlns:a14="http://schemas.microsoft.com/office/drawing/2010/main" val="0"/>
+              </a:ext>
+            </a:extLst>
+          </a:blip>
+          <a:stretch>
+            <a:fillRect/>
+          </a:stretch>
+        </p:blipFill>
+        <p:spPr>
+          <a:xfrm>
+            <a:off x="4410113" y="4370718"/>
+            <a:ext cx="571500" cy="571500"/>
+          </a:xfrm>
+          <a:prstGeom prst="rect">
+            <a:avLst/>
+          </a:prstGeom>
+        </p:spPr>
+      </p:pic>
+      <p:sp>
+        <p:nvSpPr>
+          <p:cNvPr id="23" name="Rectangle 22"/>
+          <p:cNvSpPr/>
+          <p:nvPr/>
+        </p:nvSpPr>
+        <p:spPr>
+          <a:xfrm rot="1017379">
+            <a:off x="7288148" y="3641256"/>
+            <a:ext cx="2044086" cy="461665"/>
+          </a:xfrm>
+          <a:prstGeom prst="rect">
+            <a:avLst/>
+          </a:prstGeom>
+          <a:noFill/>
+        </p:spPr>
+        <p:txBody>
+          <a:bodyPr wrap="none" lIns="91440" tIns="45720" rIns="91440" bIns="45720">
+            <a:prstTxWarp prst="textArchDown">
+              <a:avLst/>
+            </a:prstTxWarp>
+            <a:spAutoFit/>
+          </a:bodyPr>
+          <a:lstStyle/>
+          <a:p>
+            <a:pPr algn="ctr"/>
+            <a:r>
+              <a:rPr lang="en-US" sz="2400" b="1" dirty="0">
+                <a:ln w="0"/>
+                <a:solidFill>
+                  <a:schemeClr val="bg1"/>
+                </a:solidFill>
+                <a:latin typeface="Comfortaa" panose="020F0603070200060003" pitchFamily="34" charset="0"/>
+              </a:rPr>
+              <a:t>photovoltaic</a:t>
+            </a:r>
+            <a:endParaRPr lang="en-US" sz="2400" b="1" cap="none" spc="0" dirty="0">
+              <a:ln w="0"/>
+              <a:solidFill>
+                <a:schemeClr val="bg1"/>
+              </a:solidFill>
+              <a:latin typeface="Comfortaa" panose="020F0603070200060003" pitchFamily="34" charset="0"/>
+            </a:endParaRPr>
+          </a:p>
+        </p:txBody>
+      </p:sp>
+      <p:sp>
+        <p:nvSpPr>
+          <p:cNvPr id="24" name="Rectangle 23"/>
+          <p:cNvSpPr/>
+          <p:nvPr/>
+        </p:nvSpPr>
+        <p:spPr>
+          <a:xfrm rot="1534630">
+            <a:off x="6807989" y="4721011"/>
+            <a:ext cx="870752" cy="461665"/>
+          </a:xfrm>
+          <a:prstGeom prst="rect">
+            <a:avLst/>
+          </a:prstGeom>
+          <a:noFill/>
+        </p:spPr>
+        <p:txBody>
+          <a:bodyPr wrap="none" lIns="91440" tIns="45720" rIns="91440" bIns="45720">
+            <a:spAutoFit/>
+          </a:bodyPr>
+          <a:lstStyle/>
+          <a:p>
+            <a:pPr algn="ctr"/>
+            <a:r>
+              <a:rPr lang="en-US" sz="2400" b="1" dirty="0">
+                <a:ln w="0"/>
+                <a:solidFill>
+                  <a:schemeClr val="bg1"/>
+                </a:solidFill>
+                <a:latin typeface="Comfortaa" panose="020F0603070200060003" pitchFamily="34" charset="0"/>
+              </a:rPr>
+              <a:t>w</a:t>
+            </a:r>
+            <a:r>
+              <a:rPr lang="en-US" sz="2400" b="1" cap="none" spc="0" dirty="0">
+                <a:ln w="0"/>
+                <a:solidFill>
+                  <a:schemeClr val="bg1"/>
+                </a:solidFill>
+                <a:latin typeface="Comfortaa" panose="020F0603070200060003" pitchFamily="34" charset="0"/>
+              </a:rPr>
+              <a:t>ind</a:t>
+            </a:r>
+          </a:p>
+        </p:txBody>
+      </p:sp>
+      <p:sp>
+        <p:nvSpPr>
+          <p:cNvPr id="25" name="Rectangle 24"/>
+          <p:cNvSpPr/>
+          <p:nvPr/>
+        </p:nvSpPr>
+        <p:spPr>
+          <a:xfrm>
+            <a:off x="8534871" y="5471494"/>
+            <a:ext cx="984565" cy="261610"/>
+          </a:xfrm>
+          <a:prstGeom prst="rect">
+            <a:avLst/>
+          </a:prstGeom>
+          <a:noFill/>
+        </p:spPr>
+        <p:txBody>
+          <a:bodyPr wrap="none" lIns="91440" tIns="45720" rIns="91440" bIns="45720">
+            <a:spAutoFit/>
+          </a:bodyPr>
+          <a:lstStyle/>
+          <a:p>
+            <a:pPr algn="ctr"/>
+            <a:r>
+              <a:rPr lang="en-US" sz="1100" b="1" dirty="0">
+                <a:ln w="0"/>
+                <a:solidFill>
+                  <a:schemeClr val="bg1"/>
+                </a:solidFill>
+                <a:latin typeface="Comfortaa" panose="020F0603070200060003" pitchFamily="34" charset="0"/>
+              </a:rPr>
+              <a:t>geothermal</a:t>
+            </a:r>
+            <a:endParaRPr lang="en-US" sz="1100" b="1" cap="none" spc="0" dirty="0">
+              <a:ln w="0"/>
+              <a:solidFill>
+                <a:schemeClr val="bg1"/>
+              </a:solidFill>
+              <a:latin typeface="Comfortaa" panose="020F0603070200060003" pitchFamily="34" charset="0"/>
+            </a:endParaRPr>
+          </a:p>
+        </p:txBody>
+      </p:sp>
+      <p:sp>
+        <p:nvSpPr>
+          <p:cNvPr id="28" name="Rectangle 27"/>
+          <p:cNvSpPr/>
+          <p:nvPr/>
+        </p:nvSpPr>
+        <p:spPr>
+          <a:xfrm rot="21128410">
+            <a:off x="5257930" y="5530329"/>
+            <a:ext cx="707246" cy="400110"/>
+          </a:xfrm>
+          <a:prstGeom prst="rect">
+            <a:avLst/>
+          </a:prstGeom>
+          <a:noFill/>
+        </p:spPr>
+        <p:txBody>
+          <a:bodyPr wrap="none" lIns="91440" tIns="45720" rIns="91440" bIns="45720">
+            <a:spAutoFit/>
+          </a:bodyPr>
+          <a:lstStyle/>
+          <a:p>
+            <a:pPr algn="ctr"/>
+            <a:r>
+              <a:rPr lang="en-US" sz="2000" b="1" dirty="0">
+                <a:ln w="0"/>
+                <a:solidFill>
+                  <a:schemeClr val="bg1"/>
+                </a:solidFill>
+                <a:latin typeface="Comfortaa" panose="020F0603070200060003" pitchFamily="34" charset="0"/>
+              </a:rPr>
+              <a:t>coal</a:t>
+            </a:r>
+            <a:endParaRPr lang="en-US" sz="2000" b="1" cap="none" spc="0" dirty="0">
+              <a:ln w="0"/>
+              <a:solidFill>
+                <a:schemeClr val="bg1"/>
+              </a:solidFill>
+              <a:latin typeface="Comfortaa" panose="020F0603070200060003" pitchFamily="34" charset="0"/>
+            </a:endParaRPr>
+          </a:p>
+        </p:txBody>
+      </p:sp>
+      <p:sp>
+        <p:nvSpPr>
+          <p:cNvPr id="29" name="Rectangle 28"/>
+          <p:cNvSpPr/>
+          <p:nvPr/>
+        </p:nvSpPr>
+        <p:spPr>
+          <a:xfrm>
+            <a:off x="4839514" y="4474316"/>
+            <a:ext cx="466794" cy="400110"/>
+          </a:xfrm>
+          <a:prstGeom prst="rect">
+            <a:avLst/>
+          </a:prstGeom>
+          <a:noFill/>
+        </p:spPr>
+        <p:txBody>
+          <a:bodyPr wrap="none" lIns="91440" tIns="45720" rIns="91440" bIns="45720">
+            <a:spAutoFit/>
+          </a:bodyPr>
+          <a:lstStyle/>
+          <a:p>
+            <a:pPr algn="ctr"/>
+            <a:r>
+              <a:rPr lang="en-US" sz="2000" b="1" dirty="0">
+                <a:ln w="0"/>
+                <a:solidFill>
+                  <a:schemeClr val="bg1"/>
+                </a:solidFill>
+                <a:latin typeface="Comfortaa" panose="020F0603070200060003" pitchFamily="34" charset="0"/>
+              </a:rPr>
+              <a:t>oil</a:t>
+            </a:r>
+            <a:endParaRPr lang="en-US" sz="2000" b="1" cap="none" spc="0" dirty="0">
+              <a:ln w="0"/>
+              <a:solidFill>
+                <a:schemeClr val="bg1"/>
+              </a:solidFill>
+              <a:latin typeface="Comfortaa" panose="020F0603070200060003" pitchFamily="34" charset="0"/>
+            </a:endParaRPr>
+          </a:p>
+        </p:txBody>
+      </p:sp>
+      <p:sp>
+        <p:nvSpPr>
+          <p:cNvPr id="30" name="Rectangle 29"/>
+          <p:cNvSpPr/>
+          <p:nvPr/>
+        </p:nvSpPr>
+        <p:spPr>
+          <a:xfrm rot="19670849">
+            <a:off x="4584571" y="3816222"/>
+            <a:ext cx="638316" cy="400110"/>
+          </a:xfrm>
+          <a:prstGeom prst="rect">
+            <a:avLst/>
+          </a:prstGeom>
+          <a:noFill/>
+        </p:spPr>
+        <p:txBody>
+          <a:bodyPr wrap="none" lIns="91440" tIns="45720" rIns="91440" bIns="45720">
+            <a:spAutoFit/>
+          </a:bodyPr>
+          <a:lstStyle/>
+          <a:p>
+            <a:pPr algn="ctr"/>
+            <a:r>
+              <a:rPr lang="en-US" sz="2000" b="1" dirty="0">
+                <a:ln w="0"/>
+                <a:solidFill>
+                  <a:schemeClr val="bg1"/>
+                </a:solidFill>
+                <a:latin typeface="Comfortaa" panose="020F0603070200060003" pitchFamily="34" charset="0"/>
+              </a:rPr>
+              <a:t>gas</a:t>
+            </a:r>
+            <a:endParaRPr lang="en-US" sz="2000" b="1" cap="none" spc="0" dirty="0">
+              <a:ln w="0"/>
+              <a:solidFill>
+                <a:schemeClr val="bg1"/>
+              </a:solidFill>
+              <a:latin typeface="Comfortaa" panose="020F0603070200060003" pitchFamily="34" charset="0"/>
+            </a:endParaRPr>
+          </a:p>
+        </p:txBody>
+      </p:sp>
+      <p:sp>
+        <p:nvSpPr>
+          <p:cNvPr id="31" name="Rectangle 30"/>
+          <p:cNvSpPr/>
+          <p:nvPr/>
+        </p:nvSpPr>
+        <p:spPr>
+          <a:xfrm>
+            <a:off x="1941025" y="2786828"/>
+            <a:ext cx="2502994" cy="276999"/>
+          </a:xfrm>
+          <a:prstGeom prst="rect">
+            <a:avLst/>
+          </a:prstGeom>
+          <a:noFill/>
+        </p:spPr>
+        <p:txBody>
+          <a:bodyPr wrap="none" lIns="91440" tIns="45720" rIns="91440" bIns="45720">
+            <a:spAutoFit/>
+          </a:bodyPr>
+          <a:lstStyle/>
+          <a:p>
+            <a:pPr algn="ctr"/>
+            <a:r>
+              <a:rPr lang="en-US" sz="1200" b="1" dirty="0">
+                <a:ln w="0"/>
+                <a:solidFill>
+                  <a:srgbClr val="929292"/>
+                </a:solidFill>
+                <a:latin typeface="Comfortaa" panose="020F0603070200060003" pitchFamily="34" charset="0"/>
+              </a:rPr>
+              <a:t>energy investment into energy</a:t>
+            </a:r>
+            <a:endParaRPr lang="en-US" sz="1200" b="1" cap="none" spc="0" dirty="0">
+              <a:ln w="0"/>
+              <a:solidFill>
+                <a:srgbClr val="929292"/>
+              </a:solidFill>
+              <a:latin typeface="Comfortaa" panose="020F0603070200060003" pitchFamily="34" charset="0"/>
+            </a:endParaRPr>
+          </a:p>
+        </p:txBody>
+      </p:sp>
+      <p:sp>
+        <p:nvSpPr>
+          <p:cNvPr id="32" name="Rectangle 31"/>
+          <p:cNvSpPr/>
+          <p:nvPr/>
+        </p:nvSpPr>
+        <p:spPr>
+          <a:xfrm>
+            <a:off x="1970639" y="3535880"/>
+            <a:ext cx="1871025" cy="276999"/>
+          </a:xfrm>
+          <a:prstGeom prst="rect">
+            <a:avLst/>
+          </a:prstGeom>
+          <a:noFill/>
+        </p:spPr>
+        <p:txBody>
+          <a:bodyPr wrap="none" lIns="91440" tIns="45720" rIns="91440" bIns="45720">
+            <a:spAutoFit/>
+          </a:bodyPr>
+          <a:lstStyle/>
+          <a:p>
+            <a:pPr algn="ctr"/>
+            <a:r>
+              <a:rPr lang="en-US" sz="1200" b="1" dirty="0">
+                <a:ln w="0"/>
+                <a:solidFill>
+                  <a:srgbClr val="8E8E8E"/>
+                </a:solidFill>
+                <a:latin typeface="Comfortaa" panose="020F0603070200060003" pitchFamily="34" charset="0"/>
+              </a:rPr>
+              <a:t>net energy for society</a:t>
+            </a:r>
+            <a:endParaRPr lang="en-US" sz="1200" b="1" cap="none" spc="0" dirty="0">
+              <a:ln w="0"/>
+              <a:solidFill>
+                <a:srgbClr val="8E8E8E"/>
+              </a:solidFill>
+              <a:latin typeface="Comfortaa" panose="020F0603070200060003" pitchFamily="34" charset="0"/>
+            </a:endParaRPr>
+          </a:p>
+        </p:txBody>
+      </p:sp>
+      <p:cxnSp>
+        <p:nvCxnSpPr>
+          <p:cNvPr id="40" name="Straight Arrow Connector 39"/>
+          <p:cNvCxnSpPr/>
+          <p:nvPr/>
+        </p:nvCxnSpPr>
+        <p:spPr>
+          <a:xfrm>
+            <a:off x="2971413" y="3902617"/>
+            <a:ext cx="589112" cy="1445402"/>
+          </a:xfrm>
+          <a:prstGeom prst="straightConnector1">
+            <a:avLst/>
+          </a:prstGeom>
+          <a:ln w="19050">
+            <a:solidFill>
+              <a:srgbClr val="8E8E8E"/>
+            </a:solidFill>
+            <a:headEnd type="none" w="med" len="med"/>
+            <a:tailEnd type="triangle" w="med" len="med"/>
+          </a:ln>
+        </p:spPr>
+        <p:style>
+          <a:lnRef idx="1">
+            <a:schemeClr val="accent1"/>
+          </a:lnRef>
+          <a:fillRef idx="0">
+            <a:schemeClr val="accent1"/>
+          </a:fillRef>
+          <a:effectRef idx="0">
+            <a:schemeClr val="accent1"/>
+          </a:effectRef>
+          <a:fontRef idx="minor">
+            <a:schemeClr val="tx1"/>
+          </a:fontRef>
+        </p:style>
+      </p:cxnSp>
+      <p:cxnSp>
+        <p:nvCxnSpPr>
+          <p:cNvPr id="43" name="Straight Arrow Connector 42"/>
+          <p:cNvCxnSpPr/>
+          <p:nvPr/>
+        </p:nvCxnSpPr>
+        <p:spPr>
+          <a:xfrm>
+            <a:off x="4363153" y="3037603"/>
+            <a:ext cx="308644" cy="757265"/>
+          </a:xfrm>
+          <a:prstGeom prst="straightConnector1">
+            <a:avLst/>
+          </a:prstGeom>
+          <a:ln w="19050">
+            <a:solidFill>
+              <a:srgbClr val="8E8E8E"/>
+            </a:solidFill>
+            <a:headEnd type="none" w="med" len="med"/>
+            <a:tailEnd type="triangle" w="med" len="med"/>
+          </a:ln>
+        </p:spPr>
+        <p:style>
+          <a:lnRef idx="1">
+            <a:schemeClr val="accent1"/>
+          </a:lnRef>
+          <a:fillRef idx="0">
+            <a:schemeClr val="accent1"/>
+          </a:fillRef>
+          <a:effectRef idx="0">
+            <a:schemeClr val="accent1"/>
+          </a:effectRef>
+          <a:fontRef idx="minor">
+            <a:schemeClr val="tx1"/>
+          </a:fontRef>
+        </p:style>
+      </p:cxnSp>
+      <p:pic>
+        <p:nvPicPr>
+          <p:cNvPr id="27" name="Picture 26"/>
+          <p:cNvPicPr>
+            <a:picLocks noChangeAspect="1"/>
+          </p:cNvPicPr>
+          <p:nvPr/>
+        </p:nvPicPr>
+        <p:blipFill>
+          <a:blip r:embed="rId10">
+            <a:extLst>
+              <a:ext uri="{BEBA8EAE-BF5A-486C-A8C5-ECC9F3942E4B}">
+                <a14:imgProps xmlns:a14="http://schemas.microsoft.com/office/drawing/2010/main">
+                  <a14:imgLayer r:embed="rId11">
+                    <a14:imgEffect>
+                      <a14:brightnessContrast bright="-20000" contrast="-20000"/>
+                    </a14:imgEffect>
+                  </a14:imgLayer>
+                </a14:imgProps>
+              </a:ext>
+              <a:ext uri="{28A0092B-C50C-407E-A947-70E740481C1C}">
+                <a14:useLocalDpi xmlns:a14="http://schemas.microsoft.com/office/drawing/2010/main" val="0"/>
+              </a:ext>
+            </a:extLst>
+          </a:blip>
+          <a:stretch>
+            <a:fillRect/>
+          </a:stretch>
+        </p:blipFill>
+        <p:spPr>
+          <a:xfrm>
+            <a:off x="9064724" y="5887022"/>
+            <a:ext cx="392085" cy="392085"/>
+          </a:xfrm>
+          <a:prstGeom prst="rect">
+            <a:avLst/>
+          </a:prstGeom>
+        </p:spPr>
+      </p:pic>
+      <p:pic>
+        <p:nvPicPr>
+          <p:cNvPr id="34" name="Picture 33"/>
+          <p:cNvPicPr>
+            <a:picLocks noChangeAspect="1"/>
+          </p:cNvPicPr>
+          <p:nvPr/>
+        </p:nvPicPr>
+        <p:blipFill>
+          <a:blip r:embed="rId12">
+            <a:extLst>
+              <a:ext uri="{BEBA8EAE-BF5A-486C-A8C5-ECC9F3942E4B}">
+                <a14:imgProps xmlns:a14="http://schemas.microsoft.com/office/drawing/2010/main">
+                  <a14:imgLayer r:embed="rId13">
+                    <a14:imgEffect>
+                      <a14:brightnessContrast bright="-20000" contrast="-20000"/>
+                    </a14:imgEffect>
+                  </a14:imgLayer>
+                </a14:imgProps>
+              </a:ext>
+              <a:ext uri="{28A0092B-C50C-407E-A947-70E740481C1C}">
+                <a14:useLocalDpi xmlns:a14="http://schemas.microsoft.com/office/drawing/2010/main" val="0"/>
+              </a:ext>
+            </a:extLst>
+          </a:blip>
+          <a:stretch>
+            <a:fillRect/>
+          </a:stretch>
+        </p:blipFill>
+        <p:spPr>
+          <a:xfrm>
+            <a:off x="8615690" y="5845490"/>
+            <a:ext cx="435765" cy="435765"/>
+          </a:xfrm>
+          <a:prstGeom prst="rect">
+            <a:avLst/>
+          </a:prstGeom>
+        </p:spPr>
+      </p:pic>
+      <p:pic>
+        <p:nvPicPr>
+          <p:cNvPr id="35" name="Picture 34"/>
+          <p:cNvPicPr>
+            <a:picLocks noChangeAspect="1"/>
+          </p:cNvPicPr>
+          <p:nvPr/>
+        </p:nvPicPr>
+        <p:blipFill>
+          <a:blip r:embed="rId14">
+            <a:extLst>
+              <a:ext uri="{BEBA8EAE-BF5A-486C-A8C5-ECC9F3942E4B}">
+                <a14:imgProps xmlns:a14="http://schemas.microsoft.com/office/drawing/2010/main">
+                  <a14:imgLayer r:embed="rId15">
+                    <a14:imgEffect>
+                      <a14:brightnessContrast bright="-20000" contrast="-20000"/>
+                    </a14:imgEffect>
+                  </a14:imgLayer>
+                </a14:imgProps>
+              </a:ext>
+              <a:ext uri="{28A0092B-C50C-407E-A947-70E740481C1C}">
+                <a14:useLocalDpi xmlns:a14="http://schemas.microsoft.com/office/drawing/2010/main" val="0"/>
+              </a:ext>
+            </a:extLst>
+          </a:blip>
+          <a:stretch>
+            <a:fillRect/>
+          </a:stretch>
+        </p:blipFill>
+        <p:spPr>
+          <a:xfrm>
+            <a:off x="7497867" y="5864562"/>
+            <a:ext cx="435765" cy="435765"/>
+          </a:xfrm>
+          <a:prstGeom prst="rect">
+            <a:avLst/>
+          </a:prstGeom>
+        </p:spPr>
+      </p:pic>
+      <p:pic>
+        <p:nvPicPr>
+          <p:cNvPr id="36" name="Picture 35"/>
+          <p:cNvPicPr>
+            <a:picLocks noChangeAspect="1"/>
+          </p:cNvPicPr>
+          <p:nvPr/>
+        </p:nvPicPr>
+        <p:blipFill>
+          <a:blip r:embed="rId16">
+            <a:extLst>
+              <a:ext uri="{BEBA8EAE-BF5A-486C-A8C5-ECC9F3942E4B}">
+                <a14:imgProps xmlns:a14="http://schemas.microsoft.com/office/drawing/2010/main">
+                  <a14:imgLayer r:embed="rId17">
+                    <a14:imgEffect>
+                      <a14:brightnessContrast bright="-20000" contrast="-20000"/>
+                    </a14:imgEffect>
+                  </a14:imgLayer>
+                </a14:imgProps>
+              </a:ext>
+              <a:ext uri="{28A0092B-C50C-407E-A947-70E740481C1C}">
+                <a14:useLocalDpi xmlns:a14="http://schemas.microsoft.com/office/drawing/2010/main" val="0"/>
+              </a:ext>
+            </a:extLst>
+          </a:blip>
+          <a:stretch>
+            <a:fillRect/>
+          </a:stretch>
+        </p:blipFill>
+        <p:spPr>
+          <a:xfrm>
+            <a:off x="8033449" y="5843342"/>
+            <a:ext cx="435765" cy="435765"/>
+          </a:xfrm>
+          <a:prstGeom prst="rect">
+            <a:avLst/>
+          </a:prstGeom>
+        </p:spPr>
+      </p:pic>
+      <p:sp>
+        <p:nvSpPr>
+          <p:cNvPr id="37" name="Rectangle 36"/>
+          <p:cNvSpPr/>
+          <p:nvPr/>
+        </p:nvSpPr>
+        <p:spPr>
+          <a:xfrm>
+            <a:off x="6021645" y="5945641"/>
+            <a:ext cx="1438727" cy="338554"/>
+          </a:xfrm>
+          <a:prstGeom prst="rect">
+            <a:avLst/>
+          </a:prstGeom>
+          <a:noFill/>
+        </p:spPr>
+        <p:txBody>
+          <a:bodyPr wrap="none" lIns="91440" tIns="45720" rIns="91440" bIns="45720">
+            <a:spAutoFit/>
+          </a:bodyPr>
+          <a:lstStyle/>
+          <a:p>
+            <a:pPr algn="ctr"/>
+            <a:r>
+              <a:rPr lang="en-US" sz="1600" b="1" dirty="0">
+                <a:ln w="0"/>
+                <a:solidFill>
+                  <a:schemeClr val="bg1">
+                    <a:lumMod val="75000"/>
+                  </a:schemeClr>
+                </a:solidFill>
+                <a:latin typeface="Comfortaa" panose="020F0603070200060003" pitchFamily="34" charset="0"/>
+              </a:rPr>
+              <a:t>scale-limited</a:t>
+            </a:r>
+            <a:endParaRPr lang="en-US" sz="1600" b="1" cap="none" spc="0" dirty="0">
+              <a:ln w="0"/>
+              <a:solidFill>
+                <a:schemeClr val="bg1">
+                  <a:lumMod val="75000"/>
+                </a:schemeClr>
+              </a:solidFill>
+              <a:latin typeface="Comfortaa" panose="020F0603070200060003" pitchFamily="34" charset="0"/>
+            </a:endParaRPr>
+          </a:p>
+        </p:txBody>
+      </p:sp>
+    </p:spTree>
+    <p:extLst>
+      <p:ext uri="{BB962C8B-B14F-4D97-AF65-F5344CB8AC3E}">
+        <p14:creationId xmlns:p14="http://schemas.microsoft.com/office/powerpoint/2010/main" val="1061320944"/>
+      </p:ext>
+    </p:extLst>
+  </p:cSld>
+  <p:clrMapOvr>
+    <a:masterClrMapping/>
+  </p:clrMapOvr>
+</p:sld>
+</file>
+
+<file path=ppt/slides/slide8.xml><?xml version="1.0" encoding="utf-8"?>
+<p:sld xmlns:a="http://schemas.openxmlformats.org/drawingml/2006/main" xmlns:r="http://schemas.openxmlformats.org/officeDocument/2006/relationships" xmlns:p="http://schemas.openxmlformats.org/presentationml/2006/main">
+  <p:cSld>
+    <p:spTree>
+      <p:nvGrpSpPr>
+        <p:cNvPr id="1" name=""/>
+        <p:cNvGrpSpPr/>
+        <p:nvPr/>
+      </p:nvGrpSpPr>
+      <p:grpSpPr>
+        <a:xfrm>
+          <a:off x="0" y="0"/>
+          <a:ext cx="0" cy="0"/>
+          <a:chOff x="0" y="0"/>
+          <a:chExt cx="0" cy="0"/>
+        </a:xfrm>
+      </p:grpSpPr>
+      <p:sp>
+        <p:nvSpPr>
+          <p:cNvPr id="5" name="Rectangle 4"/>
+          <p:cNvSpPr/>
+          <p:nvPr/>
+        </p:nvSpPr>
+        <p:spPr>
+          <a:xfrm>
+            <a:off x="653141" y="285070"/>
+            <a:ext cx="9306335" cy="6449786"/>
+          </a:xfrm>
+          <a:prstGeom prst="rect">
+            <a:avLst/>
+          </a:prstGeom>
+          <a:blipFill dpi="0" rotWithShape="1">
+            <a:blip r:embed="rId2">
+              <a:extLst>
+                <a:ext uri="{28A0092B-C50C-407E-A947-70E740481C1C}">
+                  <a14:useLocalDpi xmlns:a14="http://schemas.microsoft.com/office/drawing/2010/main" val="0"/>
+                </a:ext>
+              </a:extLst>
+            </a:blip>
+            <a:srcRect/>
+            <a:stretch>
+              <a:fillRect/>
+            </a:stretch>
+          </a:blipFill>
+          <a:ln>
+            <a:noFill/>
+          </a:ln>
+        </p:spPr>
+        <p:style>
+          <a:lnRef idx="2">
+            <a:schemeClr val="accent1">
+              <a:shade val="50000"/>
+            </a:schemeClr>
+          </a:lnRef>
+          <a:fillRef idx="1">
+            <a:schemeClr val="accent1"/>
+          </a:fillRef>
+          <a:effectRef idx="0">
+            <a:schemeClr val="accent1"/>
+          </a:effectRef>
+          <a:fontRef idx="minor">
+            <a:schemeClr val="lt1"/>
+          </a:fontRef>
+        </p:style>
+        <p:txBody>
+          <a:bodyPr rtlCol="0" anchor="ctr"/>
+          <a:lstStyle/>
+          <a:p>
+            <a:pPr algn="ctr"/>
+            <a:endParaRPr lang="en-US" dirty="0"/>
+          </a:p>
+        </p:txBody>
+      </p:sp>
+      <p:pic>
+        <p:nvPicPr>
+          <p:cNvPr id="6" name="Picture 5"/>
+          <p:cNvPicPr>
+            <a:picLocks noChangeAspect="1"/>
+          </p:cNvPicPr>
+          <p:nvPr/>
+        </p:nvPicPr>
+        <p:blipFill>
+          <a:blip r:embed="rId3">
+            <a:biLevel thresh="75000"/>
+            <a:extLst>
+              <a:ext uri="{BEBA8EAE-BF5A-486C-A8C5-ECC9F3942E4B}">
+                <a14:imgProps xmlns:a14="http://schemas.microsoft.com/office/drawing/2010/main">
+                  <a14:imgLayer r:embed="rId4">
+                    <a14:imgEffect>
+                      <a14:brightnessContrast bright="-40000" contrast="-40000"/>
+                    </a14:imgEffect>
+                  </a14:imgLayer>
+                </a14:imgProps>
+              </a:ext>
+              <a:ext uri="{28A0092B-C50C-407E-A947-70E740481C1C}">
+                <a14:useLocalDpi xmlns:a14="http://schemas.microsoft.com/office/drawing/2010/main" val="0"/>
+              </a:ext>
+            </a:extLst>
+          </a:blip>
+          <a:stretch>
+            <a:fillRect/>
+          </a:stretch>
+        </p:blipFill>
+        <p:spPr>
+          <a:xfrm>
+            <a:off x="7243365" y="2336689"/>
+            <a:ext cx="434014" cy="434014"/>
+          </a:xfrm>
+          <a:prstGeom prst="rect">
+            <a:avLst/>
+          </a:prstGeom>
+        </p:spPr>
+      </p:pic>
+      <p:sp>
+        <p:nvSpPr>
+          <p:cNvPr id="7" name="Rectangle 6"/>
+          <p:cNvSpPr/>
+          <p:nvPr/>
+        </p:nvSpPr>
+        <p:spPr>
+          <a:xfrm rot="827148">
+            <a:off x="7607376" y="2593510"/>
+            <a:ext cx="1529586" cy="338554"/>
+          </a:xfrm>
+          <a:prstGeom prst="rect">
+            <a:avLst/>
+          </a:prstGeom>
+          <a:noFill/>
+        </p:spPr>
+        <p:txBody>
+          <a:bodyPr wrap="none" lIns="91440" tIns="45720" rIns="91440" bIns="45720">
+            <a:spAutoFit/>
+          </a:bodyPr>
+          <a:lstStyle/>
+          <a:p>
+            <a:pPr algn="ctr"/>
+            <a:r>
+              <a:rPr lang="en-US" sz="1600" b="1" cap="none" spc="0" dirty="0">
+                <a:ln w="0"/>
+                <a:latin typeface="Comfortaa" panose="020F0603070200060003" pitchFamily="34" charset="0"/>
+              </a:rPr>
+              <a:t>solar thermal</a:t>
+            </a:r>
+          </a:p>
+        </p:txBody>
+      </p:sp>
+      <p:pic>
+        <p:nvPicPr>
+          <p:cNvPr id="13" name="Picture 12"/>
+          <p:cNvPicPr>
+            <a:picLocks noChangeAspect="1"/>
+          </p:cNvPicPr>
+          <p:nvPr/>
+        </p:nvPicPr>
+        <p:blipFill>
+          <a:blip r:embed="rId5">
+            <a:biLevel thresh="75000"/>
+            <a:extLst>
+              <a:ext uri="{BEBA8EAE-BF5A-486C-A8C5-ECC9F3942E4B}">
+                <a14:imgProps xmlns:a14="http://schemas.microsoft.com/office/drawing/2010/main">
+                  <a14:imgLayer r:embed="rId6">
+                    <a14:imgEffect>
+                      <a14:brightnessContrast bright="-40000" contrast="-40000"/>
+                    </a14:imgEffect>
+                  </a14:imgLayer>
+                </a14:imgProps>
+              </a:ext>
+              <a:ext uri="{28A0092B-C50C-407E-A947-70E740481C1C}">
+                <a14:useLocalDpi xmlns:a14="http://schemas.microsoft.com/office/drawing/2010/main" val="0"/>
+              </a:ext>
+            </a:extLst>
+          </a:blip>
+          <a:stretch>
+            <a:fillRect/>
+          </a:stretch>
+        </p:blipFill>
+        <p:spPr>
+          <a:xfrm>
+            <a:off x="5149088" y="3569418"/>
+            <a:ext cx="541977" cy="541977"/>
+          </a:xfrm>
+          <a:prstGeom prst="rect">
+            <a:avLst/>
+          </a:prstGeom>
+        </p:spPr>
+      </p:pic>
+      <p:pic>
+        <p:nvPicPr>
+          <p:cNvPr id="14" name="Picture 13"/>
+          <p:cNvPicPr>
+            <a:picLocks noChangeAspect="1"/>
+          </p:cNvPicPr>
+          <p:nvPr/>
+        </p:nvPicPr>
+        <p:blipFill>
+          <a:blip r:embed="rId7">
+            <a:biLevel thresh="75000"/>
+            <a:extLst>
+              <a:ext uri="{BEBA8EAE-BF5A-486C-A8C5-ECC9F3942E4B}">
+                <a14:imgProps xmlns:a14="http://schemas.microsoft.com/office/drawing/2010/main">
+                  <a14:imgLayer r:embed="rId8">
+                    <a14:imgEffect>
+                      <a14:brightnessContrast bright="-40000" contrast="-40000"/>
+                    </a14:imgEffect>
+                  </a14:imgLayer>
+                </a14:imgProps>
+              </a:ext>
+              <a:ext uri="{28A0092B-C50C-407E-A947-70E740481C1C}">
+                <a14:useLocalDpi xmlns:a14="http://schemas.microsoft.com/office/drawing/2010/main" val="0"/>
+              </a:ext>
+            </a:extLst>
+          </a:blip>
+          <a:stretch>
+            <a:fillRect/>
+          </a:stretch>
+        </p:blipFill>
+        <p:spPr>
+          <a:xfrm>
+            <a:off x="6620464" y="3123037"/>
+            <a:ext cx="730314" cy="730314"/>
+          </a:xfrm>
+          <a:prstGeom prst="rect">
+            <a:avLst/>
+          </a:prstGeom>
+        </p:spPr>
+      </p:pic>
+      <p:pic>
+        <p:nvPicPr>
+          <p:cNvPr id="15" name="Picture 14"/>
+          <p:cNvPicPr>
+            <a:picLocks noChangeAspect="1"/>
+          </p:cNvPicPr>
+          <p:nvPr/>
+        </p:nvPicPr>
+        <p:blipFill>
+          <a:blip r:embed="rId9">
+            <a:biLevel thresh="75000"/>
+            <a:extLst>
+              <a:ext uri="{BEBA8EAE-BF5A-486C-A8C5-ECC9F3942E4B}">
+                <a14:imgProps xmlns:a14="http://schemas.microsoft.com/office/drawing/2010/main">
+                  <a14:imgLayer r:embed="rId10">
+                    <a14:imgEffect>
+                      <a14:brightnessContrast bright="-40000" contrast="-40000"/>
+                    </a14:imgEffect>
+                  </a14:imgLayer>
+                </a14:imgProps>
+              </a:ext>
+              <a:ext uri="{28A0092B-C50C-407E-A947-70E740481C1C}">
+                <a14:useLocalDpi xmlns:a14="http://schemas.microsoft.com/office/drawing/2010/main" val="0"/>
+              </a:ext>
+            </a:extLst>
+          </a:blip>
+          <a:stretch>
+            <a:fillRect/>
+          </a:stretch>
+        </p:blipFill>
+        <p:spPr>
+          <a:xfrm rot="21170148">
+            <a:off x="4718460" y="5541741"/>
+            <a:ext cx="571500" cy="571500"/>
+          </a:xfrm>
+          <a:prstGeom prst="rect">
+            <a:avLst/>
+          </a:prstGeom>
+        </p:spPr>
+      </p:pic>
+      <p:pic>
+        <p:nvPicPr>
+          <p:cNvPr id="16" name="Picture 15"/>
+          <p:cNvPicPr>
+            <a:picLocks noChangeAspect="1"/>
+          </p:cNvPicPr>
+          <p:nvPr/>
+        </p:nvPicPr>
+        <p:blipFill>
+          <a:blip r:embed="rId11">
+            <a:biLevel thresh="75000"/>
+            <a:extLst>
+              <a:ext uri="{BEBA8EAE-BF5A-486C-A8C5-ECC9F3942E4B}">
+                <a14:imgProps xmlns:a14="http://schemas.microsoft.com/office/drawing/2010/main">
+                  <a14:imgLayer r:embed="rId12">
+                    <a14:imgEffect>
+                      <a14:brightnessContrast bright="-40000" contrast="-40000"/>
+                    </a14:imgEffect>
+                  </a14:imgLayer>
+                </a14:imgProps>
+              </a:ext>
+              <a:ext uri="{28A0092B-C50C-407E-A947-70E740481C1C}">
+                <a14:useLocalDpi xmlns:a14="http://schemas.microsoft.com/office/drawing/2010/main" val="0"/>
+              </a:ext>
+            </a:extLst>
+          </a:blip>
+          <a:stretch>
+            <a:fillRect/>
+          </a:stretch>
+        </p:blipFill>
+        <p:spPr>
+          <a:xfrm>
+            <a:off x="7631553" y="4906837"/>
+            <a:ext cx="707597" cy="707597"/>
+          </a:xfrm>
+          <a:prstGeom prst="rect">
+            <a:avLst/>
+          </a:prstGeom>
+        </p:spPr>
+      </p:pic>
+      <p:pic>
+        <p:nvPicPr>
+          <p:cNvPr id="21" name="Picture 20"/>
+          <p:cNvPicPr>
+            <a:picLocks noChangeAspect="1"/>
+          </p:cNvPicPr>
+          <p:nvPr/>
+        </p:nvPicPr>
+        <p:blipFill>
+          <a:blip r:embed="rId13">
+            <a:biLevel thresh="75000"/>
+            <a:extLst>
+              <a:ext uri="{BEBA8EAE-BF5A-486C-A8C5-ECC9F3942E4B}">
+                <a14:imgProps xmlns:a14="http://schemas.microsoft.com/office/drawing/2010/main">
+                  <a14:imgLayer r:embed="rId14">
+                    <a14:imgEffect>
+                      <a14:brightnessContrast bright="-40000" contrast="-40000"/>
+                    </a14:imgEffect>
+                  </a14:imgLayer>
+                </a14:imgProps>
+              </a:ext>
+              <a:ext uri="{28A0092B-C50C-407E-A947-70E740481C1C}">
+                <a14:useLocalDpi xmlns:a14="http://schemas.microsoft.com/office/drawing/2010/main" val="0"/>
+              </a:ext>
+            </a:extLst>
+          </a:blip>
+          <a:stretch>
+            <a:fillRect/>
+          </a:stretch>
+        </p:blipFill>
+        <p:spPr>
+          <a:xfrm>
+            <a:off x="8359812" y="5494703"/>
+            <a:ext cx="264175" cy="264175"/>
+          </a:xfrm>
+          <a:prstGeom prst="rect">
+            <a:avLst/>
+          </a:prstGeom>
+        </p:spPr>
+      </p:pic>
+      <p:pic>
+        <p:nvPicPr>
+          <p:cNvPr id="22" name="Picture 21"/>
+          <p:cNvPicPr>
+            <a:picLocks noChangeAspect="1"/>
+          </p:cNvPicPr>
+          <p:nvPr/>
+        </p:nvPicPr>
+        <p:blipFill>
+          <a:blip r:embed="rId15">
+            <a:biLevel thresh="75000"/>
+            <a:extLst>
+              <a:ext uri="{BEBA8EAE-BF5A-486C-A8C5-ECC9F3942E4B}">
+                <a14:imgProps xmlns:a14="http://schemas.microsoft.com/office/drawing/2010/main">
+                  <a14:imgLayer r:embed="rId16">
+                    <a14:imgEffect>
+                      <a14:brightnessContrast bright="-40000" contrast="-40000"/>
+                    </a14:imgEffect>
+                  </a14:imgLayer>
+                </a14:imgProps>
+              </a:ext>
+              <a:ext uri="{28A0092B-C50C-407E-A947-70E740481C1C}">
+                <a14:useLocalDpi xmlns:a14="http://schemas.microsoft.com/office/drawing/2010/main" val="0"/>
+              </a:ext>
+            </a:extLst>
+          </a:blip>
+          <a:stretch>
+            <a:fillRect/>
+          </a:stretch>
+        </p:blipFill>
+        <p:spPr>
+          <a:xfrm>
+            <a:off x="4410113" y="4370718"/>
+            <a:ext cx="571500" cy="571500"/>
+          </a:xfrm>
+          <a:prstGeom prst="rect">
+            <a:avLst/>
+          </a:prstGeom>
+        </p:spPr>
+      </p:pic>
+      <p:sp>
+        <p:nvSpPr>
+          <p:cNvPr id="23" name="Rectangle 22"/>
+          <p:cNvSpPr/>
+          <p:nvPr/>
+        </p:nvSpPr>
+        <p:spPr>
+          <a:xfrm rot="1017379">
+            <a:off x="7288148" y="3641256"/>
+            <a:ext cx="2044086" cy="461665"/>
+          </a:xfrm>
+          <a:prstGeom prst="rect">
+            <a:avLst/>
+          </a:prstGeom>
+          <a:noFill/>
+        </p:spPr>
+        <p:txBody>
+          <a:bodyPr wrap="none" lIns="91440" tIns="45720" rIns="91440" bIns="45720">
+            <a:prstTxWarp prst="textArchDown">
+              <a:avLst/>
+            </a:prstTxWarp>
+            <a:spAutoFit/>
+          </a:bodyPr>
+          <a:lstStyle/>
+          <a:p>
+            <a:pPr algn="ctr"/>
+            <a:r>
+              <a:rPr lang="en-US" sz="2400" b="1" dirty="0">
+                <a:ln w="0"/>
+                <a:latin typeface="Comfortaa" panose="020F0603070200060003" pitchFamily="34" charset="0"/>
+              </a:rPr>
+              <a:t>photovoltaic</a:t>
+            </a:r>
+            <a:endParaRPr lang="en-US" sz="2400" b="1" cap="none" spc="0" dirty="0">
+              <a:ln w="0"/>
+              <a:latin typeface="Comfortaa" panose="020F0603070200060003" pitchFamily="34" charset="0"/>
+            </a:endParaRPr>
+          </a:p>
+        </p:txBody>
+      </p:sp>
+      <p:sp>
+        <p:nvSpPr>
+          <p:cNvPr id="24" name="Rectangle 23"/>
+          <p:cNvSpPr/>
+          <p:nvPr/>
+        </p:nvSpPr>
+        <p:spPr>
+          <a:xfrm rot="1534630">
+            <a:off x="6807989" y="4721011"/>
+            <a:ext cx="870752" cy="461665"/>
+          </a:xfrm>
+          <a:prstGeom prst="rect">
+            <a:avLst/>
+          </a:prstGeom>
+          <a:noFill/>
+        </p:spPr>
+        <p:txBody>
+          <a:bodyPr wrap="none" lIns="91440" tIns="45720" rIns="91440" bIns="45720">
+            <a:spAutoFit/>
+          </a:bodyPr>
+          <a:lstStyle/>
+          <a:p>
+            <a:pPr algn="ctr"/>
+            <a:r>
+              <a:rPr lang="en-US" sz="2400" b="1" dirty="0">
+                <a:ln w="0"/>
+                <a:latin typeface="Comfortaa" panose="020F0603070200060003" pitchFamily="34" charset="0"/>
+              </a:rPr>
+              <a:t>w</a:t>
+            </a:r>
+            <a:r>
+              <a:rPr lang="en-US" sz="2400" b="1" cap="none" spc="0" dirty="0">
+                <a:ln w="0"/>
+                <a:latin typeface="Comfortaa" panose="020F0603070200060003" pitchFamily="34" charset="0"/>
+              </a:rPr>
+              <a:t>ind</a:t>
+            </a:r>
+          </a:p>
+        </p:txBody>
+      </p:sp>
+      <p:sp>
+        <p:nvSpPr>
+          <p:cNvPr id="25" name="Rectangle 24"/>
+          <p:cNvSpPr/>
+          <p:nvPr/>
+        </p:nvSpPr>
+        <p:spPr>
+          <a:xfrm>
+            <a:off x="8534871" y="5471494"/>
+            <a:ext cx="984565" cy="261610"/>
+          </a:xfrm>
+          <a:prstGeom prst="rect">
+            <a:avLst/>
+          </a:prstGeom>
+          <a:noFill/>
+        </p:spPr>
+        <p:txBody>
+          <a:bodyPr wrap="none" lIns="91440" tIns="45720" rIns="91440" bIns="45720">
+            <a:spAutoFit/>
+          </a:bodyPr>
+          <a:lstStyle/>
+          <a:p>
+            <a:pPr algn="ctr"/>
+            <a:r>
+              <a:rPr lang="en-US" sz="1100" b="1" dirty="0">
+                <a:ln w="0"/>
+                <a:latin typeface="Comfortaa" panose="020F0603070200060003" pitchFamily="34" charset="0"/>
+              </a:rPr>
+              <a:t>geothermal</a:t>
+            </a:r>
+            <a:endParaRPr lang="en-US" sz="1100" b="1" cap="none" spc="0" dirty="0">
+              <a:ln w="0"/>
+              <a:latin typeface="Comfortaa" panose="020F0603070200060003" pitchFamily="34" charset="0"/>
+            </a:endParaRPr>
+          </a:p>
+        </p:txBody>
+      </p:sp>
+      <p:sp>
+        <p:nvSpPr>
+          <p:cNvPr id="28" name="Rectangle 27"/>
+          <p:cNvSpPr/>
+          <p:nvPr/>
+        </p:nvSpPr>
+        <p:spPr>
+          <a:xfrm rot="21128410">
+            <a:off x="5257930" y="5530329"/>
+            <a:ext cx="707246" cy="400110"/>
+          </a:xfrm>
+          <a:prstGeom prst="rect">
+            <a:avLst/>
+          </a:prstGeom>
+          <a:noFill/>
+        </p:spPr>
+        <p:txBody>
+          <a:bodyPr wrap="none" lIns="91440" tIns="45720" rIns="91440" bIns="45720">
+            <a:spAutoFit/>
+          </a:bodyPr>
+          <a:lstStyle/>
+          <a:p>
+            <a:pPr algn="ctr"/>
+            <a:r>
+              <a:rPr lang="en-US" sz="2000" b="1" dirty="0">
+                <a:ln w="0"/>
+                <a:latin typeface="Comfortaa" panose="020F0603070200060003" pitchFamily="34" charset="0"/>
+              </a:rPr>
+              <a:t>coal</a:t>
+            </a:r>
+            <a:endParaRPr lang="en-US" sz="2000" b="1" cap="none" spc="0" dirty="0">
+              <a:ln w="0"/>
+              <a:latin typeface="Comfortaa" panose="020F0603070200060003" pitchFamily="34" charset="0"/>
+            </a:endParaRPr>
+          </a:p>
+        </p:txBody>
+      </p:sp>
+      <p:sp>
+        <p:nvSpPr>
+          <p:cNvPr id="29" name="Rectangle 28"/>
+          <p:cNvSpPr/>
+          <p:nvPr/>
+        </p:nvSpPr>
+        <p:spPr>
+          <a:xfrm>
+            <a:off x="4839514" y="4474316"/>
+            <a:ext cx="466794" cy="400110"/>
+          </a:xfrm>
+          <a:prstGeom prst="rect">
+            <a:avLst/>
+          </a:prstGeom>
+          <a:noFill/>
+        </p:spPr>
+        <p:txBody>
+          <a:bodyPr wrap="none" lIns="91440" tIns="45720" rIns="91440" bIns="45720">
+            <a:spAutoFit/>
+          </a:bodyPr>
+          <a:lstStyle/>
+          <a:p>
+            <a:pPr algn="ctr"/>
+            <a:r>
+              <a:rPr lang="en-US" sz="2000" b="1" dirty="0">
+                <a:ln w="0"/>
+                <a:latin typeface="Comfortaa" panose="020F0603070200060003" pitchFamily="34" charset="0"/>
+              </a:rPr>
+              <a:t>oil</a:t>
+            </a:r>
+            <a:endParaRPr lang="en-US" sz="2000" b="1" cap="none" spc="0" dirty="0">
+              <a:ln w="0"/>
+              <a:latin typeface="Comfortaa" panose="020F0603070200060003" pitchFamily="34" charset="0"/>
+            </a:endParaRPr>
+          </a:p>
+        </p:txBody>
+      </p:sp>
+      <p:sp>
+        <p:nvSpPr>
+          <p:cNvPr id="30" name="Rectangle 29"/>
+          <p:cNvSpPr/>
+          <p:nvPr/>
+        </p:nvSpPr>
+        <p:spPr>
+          <a:xfrm rot="19670849">
+            <a:off x="4584571" y="3816222"/>
+            <a:ext cx="638316" cy="400110"/>
+          </a:xfrm>
+          <a:prstGeom prst="rect">
+            <a:avLst/>
+          </a:prstGeom>
+          <a:noFill/>
+        </p:spPr>
+        <p:txBody>
+          <a:bodyPr wrap="none" lIns="91440" tIns="45720" rIns="91440" bIns="45720">
+            <a:spAutoFit/>
+          </a:bodyPr>
+          <a:lstStyle/>
+          <a:p>
+            <a:pPr algn="ctr"/>
+            <a:r>
+              <a:rPr lang="en-US" sz="2000" b="1" dirty="0">
+                <a:ln w="0"/>
+                <a:latin typeface="Comfortaa" panose="020F0603070200060003" pitchFamily="34" charset="0"/>
+              </a:rPr>
+              <a:t>gas</a:t>
+            </a:r>
+            <a:endParaRPr lang="en-US" sz="2000" b="1" cap="none" spc="0" dirty="0">
+              <a:ln w="0"/>
+              <a:latin typeface="Comfortaa" panose="020F0603070200060003" pitchFamily="34" charset="0"/>
+            </a:endParaRPr>
+          </a:p>
+        </p:txBody>
+      </p:sp>
+      <p:sp>
+        <p:nvSpPr>
+          <p:cNvPr id="31" name="Rectangle 30"/>
+          <p:cNvSpPr/>
+          <p:nvPr/>
+        </p:nvSpPr>
+        <p:spPr>
+          <a:xfrm>
+            <a:off x="1941025" y="2786828"/>
+            <a:ext cx="2502994" cy="276999"/>
+          </a:xfrm>
+          <a:prstGeom prst="rect">
+            <a:avLst/>
+          </a:prstGeom>
+          <a:noFill/>
+        </p:spPr>
+        <p:txBody>
+          <a:bodyPr wrap="none" lIns="91440" tIns="45720" rIns="91440" bIns="45720">
+            <a:spAutoFit/>
+          </a:bodyPr>
+          <a:lstStyle/>
+          <a:p>
+            <a:pPr algn="ctr"/>
+            <a:r>
+              <a:rPr lang="en-US" sz="1200" b="1" dirty="0">
+                <a:ln w="0"/>
+                <a:solidFill>
+                  <a:srgbClr val="929292"/>
+                </a:solidFill>
+                <a:latin typeface="Comfortaa" panose="020F0603070200060003" pitchFamily="34" charset="0"/>
+              </a:rPr>
+              <a:t>energy investment into energy</a:t>
+            </a:r>
+            <a:endParaRPr lang="en-US" sz="1200" b="1" cap="none" spc="0" dirty="0">
+              <a:ln w="0"/>
+              <a:solidFill>
+                <a:srgbClr val="929292"/>
+              </a:solidFill>
+              <a:latin typeface="Comfortaa" panose="020F0603070200060003" pitchFamily="34" charset="0"/>
+            </a:endParaRPr>
+          </a:p>
+        </p:txBody>
+      </p:sp>
+      <p:sp>
+        <p:nvSpPr>
+          <p:cNvPr id="32" name="Rectangle 31"/>
+          <p:cNvSpPr/>
+          <p:nvPr/>
+        </p:nvSpPr>
+        <p:spPr>
+          <a:xfrm>
+            <a:off x="1970639" y="3535880"/>
+            <a:ext cx="1871025" cy="276999"/>
+          </a:xfrm>
+          <a:prstGeom prst="rect">
+            <a:avLst/>
+          </a:prstGeom>
+          <a:noFill/>
+        </p:spPr>
+        <p:txBody>
+          <a:bodyPr wrap="none" lIns="91440" tIns="45720" rIns="91440" bIns="45720">
+            <a:spAutoFit/>
+          </a:bodyPr>
+          <a:lstStyle/>
+          <a:p>
+            <a:pPr algn="ctr"/>
+            <a:r>
+              <a:rPr lang="en-US" sz="1200" b="1" dirty="0">
+                <a:ln w="0"/>
+                <a:solidFill>
+                  <a:srgbClr val="8E8E8E"/>
+                </a:solidFill>
+                <a:latin typeface="Comfortaa" panose="020F0603070200060003" pitchFamily="34" charset="0"/>
+              </a:rPr>
+              <a:t>net energy for society</a:t>
+            </a:r>
+            <a:endParaRPr lang="en-US" sz="1200" b="1" cap="none" spc="0" dirty="0">
+              <a:ln w="0"/>
+              <a:solidFill>
+                <a:srgbClr val="8E8E8E"/>
+              </a:solidFill>
+              <a:latin typeface="Comfortaa" panose="020F0603070200060003" pitchFamily="34" charset="0"/>
+            </a:endParaRPr>
+          </a:p>
+        </p:txBody>
+      </p:sp>
+      <p:cxnSp>
+        <p:nvCxnSpPr>
+          <p:cNvPr id="40" name="Straight Arrow Connector 39"/>
+          <p:cNvCxnSpPr/>
+          <p:nvPr/>
+        </p:nvCxnSpPr>
+        <p:spPr>
+          <a:xfrm>
+            <a:off x="2971413" y="3902617"/>
+            <a:ext cx="589112" cy="1445402"/>
+          </a:xfrm>
+          <a:prstGeom prst="straightConnector1">
+            <a:avLst/>
+          </a:prstGeom>
+          <a:ln w="19050">
+            <a:solidFill>
+              <a:srgbClr val="8E8E8E"/>
+            </a:solidFill>
+            <a:headEnd type="none" w="med" len="med"/>
+            <a:tailEnd type="triangle" w="med" len="med"/>
+          </a:ln>
+        </p:spPr>
+        <p:style>
+          <a:lnRef idx="1">
+            <a:schemeClr val="accent1"/>
+          </a:lnRef>
+          <a:fillRef idx="0">
+            <a:schemeClr val="accent1"/>
+          </a:fillRef>
+          <a:effectRef idx="0">
+            <a:schemeClr val="accent1"/>
+          </a:effectRef>
+          <a:fontRef idx="minor">
+            <a:schemeClr val="tx1"/>
+          </a:fontRef>
+        </p:style>
+      </p:cxnSp>
+      <p:cxnSp>
+        <p:nvCxnSpPr>
+          <p:cNvPr id="43" name="Straight Arrow Connector 42"/>
+          <p:cNvCxnSpPr/>
+          <p:nvPr/>
+        </p:nvCxnSpPr>
+        <p:spPr>
+          <a:xfrm>
+            <a:off x="4363153" y="3037603"/>
+            <a:ext cx="308644" cy="757265"/>
+          </a:xfrm>
+          <a:prstGeom prst="straightConnector1">
+            <a:avLst/>
+          </a:prstGeom>
+          <a:ln w="19050">
+            <a:solidFill>
+              <a:srgbClr val="8E8E8E"/>
+            </a:solidFill>
+            <a:headEnd type="none" w="med" len="med"/>
+            <a:tailEnd type="triangle" w="med" len="med"/>
+          </a:ln>
+        </p:spPr>
+        <p:style>
+          <a:lnRef idx="1">
+            <a:schemeClr val="accent1"/>
+          </a:lnRef>
+          <a:fillRef idx="0">
+            <a:schemeClr val="accent1"/>
+          </a:fillRef>
+          <a:effectRef idx="0">
+            <a:schemeClr val="accent1"/>
+          </a:effectRef>
+          <a:fontRef idx="minor">
+            <a:schemeClr val="tx1"/>
+          </a:fontRef>
+        </p:style>
+      </p:cxnSp>
+      <p:pic>
+        <p:nvPicPr>
+          <p:cNvPr id="27" name="Picture 26"/>
+          <p:cNvPicPr>
+            <a:picLocks noChangeAspect="1"/>
+          </p:cNvPicPr>
+          <p:nvPr/>
+        </p:nvPicPr>
+        <p:blipFill>
+          <a:blip r:embed="rId17">
+            <a:extLst>
+              <a:ext uri="{BEBA8EAE-BF5A-486C-A8C5-ECC9F3942E4B}">
+                <a14:imgProps xmlns:a14="http://schemas.microsoft.com/office/drawing/2010/main">
+                  <a14:imgLayer r:embed="rId18">
+                    <a14:imgEffect>
+                      <a14:brightnessContrast bright="-40000" contrast="-40000"/>
+                    </a14:imgEffect>
+                  </a14:imgLayer>
+                </a14:imgProps>
+              </a:ext>
+              <a:ext uri="{28A0092B-C50C-407E-A947-70E740481C1C}">
+                <a14:useLocalDpi xmlns:a14="http://schemas.microsoft.com/office/drawing/2010/main" val="0"/>
+              </a:ext>
+            </a:extLst>
+          </a:blip>
+          <a:stretch>
+            <a:fillRect/>
+          </a:stretch>
+        </p:blipFill>
+        <p:spPr>
+          <a:xfrm>
+            <a:off x="9064724" y="5887022"/>
+            <a:ext cx="392085" cy="392085"/>
+          </a:xfrm>
+          <a:prstGeom prst="rect">
+            <a:avLst/>
+          </a:prstGeom>
+        </p:spPr>
+      </p:pic>
+      <p:pic>
+        <p:nvPicPr>
+          <p:cNvPr id="34" name="Picture 33"/>
+          <p:cNvPicPr>
+            <a:picLocks noChangeAspect="1"/>
+          </p:cNvPicPr>
+          <p:nvPr/>
+        </p:nvPicPr>
+        <p:blipFill>
+          <a:blip r:embed="rId19">
+            <a:extLst>
+              <a:ext uri="{BEBA8EAE-BF5A-486C-A8C5-ECC9F3942E4B}">
+                <a14:imgProps xmlns:a14="http://schemas.microsoft.com/office/drawing/2010/main">
+                  <a14:imgLayer r:embed="rId20">
+                    <a14:imgEffect>
+                      <a14:brightnessContrast bright="-40000" contrast="-40000"/>
+                    </a14:imgEffect>
+                  </a14:imgLayer>
+                </a14:imgProps>
+              </a:ext>
+              <a:ext uri="{28A0092B-C50C-407E-A947-70E740481C1C}">
+                <a14:useLocalDpi xmlns:a14="http://schemas.microsoft.com/office/drawing/2010/main" val="0"/>
+              </a:ext>
+            </a:extLst>
+          </a:blip>
+          <a:stretch>
+            <a:fillRect/>
+          </a:stretch>
+        </p:blipFill>
+        <p:spPr>
+          <a:xfrm>
+            <a:off x="8615690" y="5845490"/>
+            <a:ext cx="435765" cy="435765"/>
+          </a:xfrm>
+          <a:prstGeom prst="rect">
+            <a:avLst/>
+          </a:prstGeom>
+        </p:spPr>
+      </p:pic>
+      <p:pic>
+        <p:nvPicPr>
+          <p:cNvPr id="35" name="Picture 34"/>
+          <p:cNvPicPr>
+            <a:picLocks noChangeAspect="1"/>
+          </p:cNvPicPr>
+          <p:nvPr/>
+        </p:nvPicPr>
+        <p:blipFill>
+          <a:blip r:embed="rId21">
+            <a:extLst>
+              <a:ext uri="{BEBA8EAE-BF5A-486C-A8C5-ECC9F3942E4B}">
+                <a14:imgProps xmlns:a14="http://schemas.microsoft.com/office/drawing/2010/main">
+                  <a14:imgLayer r:embed="rId22">
+                    <a14:imgEffect>
+                      <a14:brightnessContrast bright="-40000" contrast="-40000"/>
+                    </a14:imgEffect>
+                  </a14:imgLayer>
+                </a14:imgProps>
+              </a:ext>
+              <a:ext uri="{28A0092B-C50C-407E-A947-70E740481C1C}">
+                <a14:useLocalDpi xmlns:a14="http://schemas.microsoft.com/office/drawing/2010/main" val="0"/>
+              </a:ext>
+            </a:extLst>
+          </a:blip>
+          <a:stretch>
+            <a:fillRect/>
+          </a:stretch>
+        </p:blipFill>
+        <p:spPr>
+          <a:xfrm>
+            <a:off x="7497867" y="5864562"/>
+            <a:ext cx="435765" cy="435765"/>
+          </a:xfrm>
+          <a:prstGeom prst="rect">
+            <a:avLst/>
+          </a:prstGeom>
+        </p:spPr>
+      </p:pic>
+      <p:pic>
+        <p:nvPicPr>
+          <p:cNvPr id="36" name="Picture 35"/>
+          <p:cNvPicPr>
+            <a:picLocks noChangeAspect="1"/>
+          </p:cNvPicPr>
+          <p:nvPr/>
+        </p:nvPicPr>
+        <p:blipFill>
+          <a:blip r:embed="rId23">
+            <a:extLst>
+              <a:ext uri="{BEBA8EAE-BF5A-486C-A8C5-ECC9F3942E4B}">
+                <a14:imgProps xmlns:a14="http://schemas.microsoft.com/office/drawing/2010/main">
+                  <a14:imgLayer r:embed="rId24">
+                    <a14:imgEffect>
+                      <a14:brightnessContrast bright="-40000" contrast="-40000"/>
+                    </a14:imgEffect>
+                  </a14:imgLayer>
+                </a14:imgProps>
+              </a:ext>
+              <a:ext uri="{28A0092B-C50C-407E-A947-70E740481C1C}">
+                <a14:useLocalDpi xmlns:a14="http://schemas.microsoft.com/office/drawing/2010/main" val="0"/>
+              </a:ext>
+            </a:extLst>
+          </a:blip>
+          <a:stretch>
+            <a:fillRect/>
+          </a:stretch>
+        </p:blipFill>
+        <p:spPr>
+          <a:xfrm>
+            <a:off x="8033449" y="5843342"/>
+            <a:ext cx="435765" cy="435765"/>
+          </a:xfrm>
+          <a:prstGeom prst="rect">
+            <a:avLst/>
+          </a:prstGeom>
+        </p:spPr>
+      </p:pic>
+      <p:sp>
+        <p:nvSpPr>
+          <p:cNvPr id="37" name="Rectangle 36"/>
+          <p:cNvSpPr/>
+          <p:nvPr/>
+        </p:nvSpPr>
+        <p:spPr>
+          <a:xfrm>
+            <a:off x="6021645" y="5945641"/>
+            <a:ext cx="1438727" cy="338554"/>
+          </a:xfrm>
+          <a:prstGeom prst="rect">
+            <a:avLst/>
+          </a:prstGeom>
+          <a:noFill/>
+        </p:spPr>
+        <p:txBody>
+          <a:bodyPr wrap="none" lIns="91440" tIns="45720" rIns="91440" bIns="45720">
+            <a:spAutoFit/>
+          </a:bodyPr>
+          <a:lstStyle/>
+          <a:p>
+            <a:pPr algn="ctr"/>
+            <a:r>
+              <a:rPr lang="en-US" sz="1600" b="1" dirty="0">
+                <a:ln w="0"/>
+                <a:solidFill>
+                  <a:schemeClr val="bg1">
+                    <a:lumMod val="50000"/>
+                  </a:schemeClr>
+                </a:solidFill>
+                <a:latin typeface="Comfortaa" panose="020F0603070200060003" pitchFamily="34" charset="0"/>
+              </a:rPr>
+              <a:t>scale-limited</a:t>
+            </a:r>
+            <a:endParaRPr lang="en-US" sz="1600" b="1" cap="none" spc="0" dirty="0">
+              <a:ln w="0"/>
+              <a:solidFill>
+                <a:schemeClr val="bg1">
+                  <a:lumMod val="50000"/>
+                </a:schemeClr>
+              </a:solidFill>
+              <a:latin typeface="Comfortaa" panose="020F0603070200060003" pitchFamily="34" charset="0"/>
+            </a:endParaRPr>
+          </a:p>
+        </p:txBody>
+      </p:sp>
+    </p:spTree>
+    <p:extLst>
+      <p:ext uri="{BB962C8B-B14F-4D97-AF65-F5344CB8AC3E}">
+        <p14:creationId xmlns:p14="http://schemas.microsoft.com/office/powerpoint/2010/main" val="3242854126"/>
+      </p:ext>
+    </p:extLst>
+  </p:cSld>
+  <p:clrMapOvr>
+    <a:masterClrMapping/>
+  </p:clrMapOvr>
+</p:sld>
+</file>
+
 <file path=ppt/theme/theme1.xml><?xml version="1.0" encoding="utf-8"?>
 <a:theme xmlns:a="http://schemas.openxmlformats.org/drawingml/2006/main" name="Office Theme">
   <a:themeElements>
